--- a/docs/pres1.pptx
+++ b/docs/pres1.pptx
@@ -4,16 +4,38 @@
   <p:sldMasterIdLst>
     <p:sldMasterId id="2147483648" r:id="rId1"/>
   </p:sldMasterIdLst>
+  <p:notesMasterIdLst>
+    <p:notesMasterId r:id="rId25"/>
+  </p:notesMasterIdLst>
   <p:sldIdLst>
     <p:sldId id="256" r:id="rId2"/>
-    <p:sldId id="257" r:id="rId3"/>
-    <p:sldId id="258" r:id="rId4"/>
-    <p:sldId id="259" r:id="rId5"/>
+    <p:sldId id="273" r:id="rId3"/>
+    <p:sldId id="275" r:id="rId4"/>
+    <p:sldId id="257" r:id="rId5"/>
+    <p:sldId id="258" r:id="rId6"/>
+    <p:sldId id="274" r:id="rId7"/>
+    <p:sldId id="259" r:id="rId8"/>
+    <p:sldId id="260" r:id="rId9"/>
+    <p:sldId id="261" r:id="rId10"/>
+    <p:sldId id="262" r:id="rId11"/>
+    <p:sldId id="263" r:id="rId12"/>
+    <p:sldId id="264" r:id="rId13"/>
+    <p:sldId id="265" r:id="rId14"/>
+    <p:sldId id="266" r:id="rId15"/>
+    <p:sldId id="267" r:id="rId16"/>
+    <p:sldId id="268" r:id="rId17"/>
+    <p:sldId id="269" r:id="rId18"/>
+    <p:sldId id="270" r:id="rId19"/>
+    <p:sldId id="271" r:id="rId20"/>
+    <p:sldId id="272" r:id="rId21"/>
+    <p:sldId id="276" r:id="rId22"/>
+    <p:sldId id="277" r:id="rId23"/>
+    <p:sldId id="278" r:id="rId24"/>
   </p:sldIdLst>
   <p:sldSz cx="9144000" cy="5143500" type="screen16x9"/>
   <p:notesSz cx="6858000" cy="9144000"/>
   <p:custDataLst>
-    <p:tags r:id="rId6"/>
+    <p:tags r:id="rId26"/>
   </p:custDataLst>
   <p:defaultTextStyle>
     <a:defPPr>
@@ -129,6 +151,439 @@
 </p:presentation>
 </file>
 
+<file path=ppt/notesMasters/notesMaster1.xml><?xml version="1.0" encoding="utf-8"?>
+<p:notesMaster xmlns:a="http://schemas.openxmlformats.org/drawingml/2006/main" xmlns:r="http://schemas.openxmlformats.org/officeDocument/2006/relationships" xmlns:p="http://schemas.openxmlformats.org/presentationml/2006/main">
+  <p:cSld>
+    <p:bg>
+      <p:bgRef idx="1001">
+        <a:schemeClr val="bg1"/>
+      </p:bgRef>
+    </p:bg>
+    <p:spTree>
+      <p:nvGrpSpPr>
+        <p:cNvPr id="1" name=""/>
+        <p:cNvGrpSpPr/>
+        <p:nvPr/>
+      </p:nvGrpSpPr>
+      <p:grpSpPr>
+        <a:xfrm>
+          <a:off x="0" y="0"/>
+          <a:ext cx="0" cy="0"/>
+          <a:chOff x="0" y="0"/>
+          <a:chExt cx="0" cy="0"/>
+        </a:xfrm>
+      </p:grpSpPr>
+      <p:sp>
+        <p:nvSpPr>
+          <p:cNvPr id="2" name="Header Placeholder 1"/>
+          <p:cNvSpPr>
+            <a:spLocks noGrp="1"/>
+          </p:cNvSpPr>
+          <p:nvPr>
+            <p:ph type="hdr" sz="quarter"/>
+          </p:nvPr>
+        </p:nvSpPr>
+        <p:spPr>
+          <a:xfrm>
+            <a:off x="0" y="0"/>
+            <a:ext cx="2971800" cy="458788"/>
+          </a:xfrm>
+          <a:prstGeom prst="rect">
+            <a:avLst/>
+          </a:prstGeom>
+        </p:spPr>
+        <p:txBody>
+          <a:bodyPr vert="horz" lIns="91440" tIns="45720" rIns="91440" bIns="45720" rtlCol="0"/>
+          <a:lstStyle>
+            <a:lvl1pPr algn="l">
+              <a:defRPr sz="1200"/>
+            </a:lvl1pPr>
+          </a:lstStyle>
+          <a:p>
+            <a:endParaRPr lang="en-US"/>
+          </a:p>
+        </p:txBody>
+      </p:sp>
+      <p:sp>
+        <p:nvSpPr>
+          <p:cNvPr id="3" name="Date Placeholder 2"/>
+          <p:cNvSpPr>
+            <a:spLocks noGrp="1"/>
+          </p:cNvSpPr>
+          <p:nvPr>
+            <p:ph type="dt" idx="1"/>
+          </p:nvPr>
+        </p:nvSpPr>
+        <p:spPr>
+          <a:xfrm>
+            <a:off x="3884613" y="0"/>
+            <a:ext cx="2971800" cy="458788"/>
+          </a:xfrm>
+          <a:prstGeom prst="rect">
+            <a:avLst/>
+          </a:prstGeom>
+        </p:spPr>
+        <p:txBody>
+          <a:bodyPr vert="horz" lIns="91440" tIns="45720" rIns="91440" bIns="45720" rtlCol="0"/>
+          <a:lstStyle>
+            <a:lvl1pPr algn="r">
+              <a:defRPr sz="1200"/>
+            </a:lvl1pPr>
+          </a:lstStyle>
+          <a:p>
+            <a:fld id="{9E9D7E31-2F1D-4E72-850C-81DE6C503FE7}" type="datetimeFigureOut">
+              <a:rPr lang="en-US" smtClean="0"/>
+              <a:t>2021-06-09</a:t>
+            </a:fld>
+            <a:endParaRPr lang="en-US"/>
+          </a:p>
+        </p:txBody>
+      </p:sp>
+      <p:sp>
+        <p:nvSpPr>
+          <p:cNvPr id="4" name="Slide Image Placeholder 3"/>
+          <p:cNvSpPr>
+            <a:spLocks noGrp="1" noRot="1" noChangeAspect="1"/>
+          </p:cNvSpPr>
+          <p:nvPr>
+            <p:ph type="sldImg" idx="2"/>
+          </p:nvPr>
+        </p:nvSpPr>
+        <p:spPr>
+          <a:xfrm>
+            <a:off x="685800" y="1143000"/>
+            <a:ext cx="5486400" cy="3086100"/>
+          </a:xfrm>
+          <a:prstGeom prst="rect">
+            <a:avLst/>
+          </a:prstGeom>
+          <a:noFill/>
+          <a:ln w="12700">
+            <a:solidFill>
+              <a:prstClr val="black"/>
+            </a:solidFill>
+          </a:ln>
+        </p:spPr>
+        <p:txBody>
+          <a:bodyPr vert="horz" lIns="91440" tIns="45720" rIns="91440" bIns="45720" rtlCol="0" anchor="ctr"/>
+          <a:lstStyle/>
+          <a:p>
+            <a:endParaRPr lang="en-US"/>
+          </a:p>
+        </p:txBody>
+      </p:sp>
+      <p:sp>
+        <p:nvSpPr>
+          <p:cNvPr id="5" name="Notes Placeholder 4"/>
+          <p:cNvSpPr>
+            <a:spLocks noGrp="1"/>
+          </p:cNvSpPr>
+          <p:nvPr>
+            <p:ph type="body" sz="quarter" idx="3"/>
+          </p:nvPr>
+        </p:nvSpPr>
+        <p:spPr>
+          <a:xfrm>
+            <a:off x="685800" y="4400550"/>
+            <a:ext cx="5486400" cy="3600450"/>
+          </a:xfrm>
+          <a:prstGeom prst="rect">
+            <a:avLst/>
+          </a:prstGeom>
+        </p:spPr>
+        <p:txBody>
+          <a:bodyPr vert="horz" lIns="91440" tIns="45720" rIns="91440" bIns="45720" rtlCol="0"/>
+          <a:lstStyle/>
+          <a:p>
+            <a:pPr lvl="0"/>
+            <a:r>
+              <a:rPr lang="en-US"/>
+              <a:t>Click to edit Master text styles</a:t>
+            </a:r>
+          </a:p>
+          <a:p>
+            <a:pPr lvl="1"/>
+            <a:r>
+              <a:rPr lang="en-US"/>
+              <a:t>Second level</a:t>
+            </a:r>
+          </a:p>
+          <a:p>
+            <a:pPr lvl="2"/>
+            <a:r>
+              <a:rPr lang="en-US"/>
+              <a:t>Third level</a:t>
+            </a:r>
+          </a:p>
+          <a:p>
+            <a:pPr lvl="3"/>
+            <a:r>
+              <a:rPr lang="en-US"/>
+              <a:t>Fourth level</a:t>
+            </a:r>
+          </a:p>
+          <a:p>
+            <a:pPr lvl="4"/>
+            <a:r>
+              <a:rPr lang="en-US"/>
+              <a:t>Fifth level</a:t>
+            </a:r>
+          </a:p>
+        </p:txBody>
+      </p:sp>
+      <p:sp>
+        <p:nvSpPr>
+          <p:cNvPr id="6" name="Footer Placeholder 5"/>
+          <p:cNvSpPr>
+            <a:spLocks noGrp="1"/>
+          </p:cNvSpPr>
+          <p:nvPr>
+            <p:ph type="ftr" sz="quarter" idx="4"/>
+          </p:nvPr>
+        </p:nvSpPr>
+        <p:spPr>
+          <a:xfrm>
+            <a:off x="0" y="8685213"/>
+            <a:ext cx="2971800" cy="458787"/>
+          </a:xfrm>
+          <a:prstGeom prst="rect">
+            <a:avLst/>
+          </a:prstGeom>
+        </p:spPr>
+        <p:txBody>
+          <a:bodyPr vert="horz" lIns="91440" tIns="45720" rIns="91440" bIns="45720" rtlCol="0" anchor="b"/>
+          <a:lstStyle>
+            <a:lvl1pPr algn="l">
+              <a:defRPr sz="1200"/>
+            </a:lvl1pPr>
+          </a:lstStyle>
+          <a:p>
+            <a:endParaRPr lang="en-US"/>
+          </a:p>
+        </p:txBody>
+      </p:sp>
+      <p:sp>
+        <p:nvSpPr>
+          <p:cNvPr id="7" name="Slide Number Placeholder 6"/>
+          <p:cNvSpPr>
+            <a:spLocks noGrp="1"/>
+          </p:cNvSpPr>
+          <p:nvPr>
+            <p:ph type="sldNum" sz="quarter" idx="5"/>
+          </p:nvPr>
+        </p:nvSpPr>
+        <p:spPr>
+          <a:xfrm>
+            <a:off x="3884613" y="8685213"/>
+            <a:ext cx="2971800" cy="458787"/>
+          </a:xfrm>
+          <a:prstGeom prst="rect">
+            <a:avLst/>
+          </a:prstGeom>
+        </p:spPr>
+        <p:txBody>
+          <a:bodyPr vert="horz" lIns="91440" tIns="45720" rIns="91440" bIns="45720" rtlCol="0" anchor="b"/>
+          <a:lstStyle>
+            <a:lvl1pPr algn="r">
+              <a:defRPr sz="1200"/>
+            </a:lvl1pPr>
+          </a:lstStyle>
+          <a:p>
+            <a:fld id="{AE5B9B51-D91E-49D0-9B97-1B61F1D60F06}" type="slidenum">
+              <a:rPr lang="en-US" smtClean="0"/>
+              <a:t>‹#›</a:t>
+            </a:fld>
+            <a:endParaRPr lang="en-US"/>
+          </a:p>
+        </p:txBody>
+      </p:sp>
+    </p:spTree>
+    <p:extLst>
+      <p:ext uri="{BB962C8B-B14F-4D97-AF65-F5344CB8AC3E}">
+        <p14:creationId xmlns:p14="http://schemas.microsoft.com/office/powerpoint/2010/main" val="2353258367"/>
+      </p:ext>
+    </p:extLst>
+  </p:cSld>
+  <p:clrMap bg1="lt1" tx1="dk1" bg2="lt2" tx2="dk2" accent1="accent1" accent2="accent2" accent3="accent3" accent4="accent4" accent5="accent5" accent6="accent6" hlink="hlink" folHlink="folHlink"/>
+  <p:notesStyle>
+    <a:lvl1pPr marL="0" algn="l" defTabSz="914400" rtl="0" eaLnBrk="1" latinLnBrk="0" hangingPunct="1">
+      <a:defRPr sz="1200" kern="1200">
+        <a:solidFill>
+          <a:schemeClr val="tx1"/>
+        </a:solidFill>
+        <a:latin typeface="+mn-lt"/>
+        <a:ea typeface="+mn-ea"/>
+        <a:cs typeface="+mn-cs"/>
+      </a:defRPr>
+    </a:lvl1pPr>
+    <a:lvl2pPr marL="457200" algn="l" defTabSz="914400" rtl="0" eaLnBrk="1" latinLnBrk="0" hangingPunct="1">
+      <a:defRPr sz="1200" kern="1200">
+        <a:solidFill>
+          <a:schemeClr val="tx1"/>
+        </a:solidFill>
+        <a:latin typeface="+mn-lt"/>
+        <a:ea typeface="+mn-ea"/>
+        <a:cs typeface="+mn-cs"/>
+      </a:defRPr>
+    </a:lvl2pPr>
+    <a:lvl3pPr marL="914400" algn="l" defTabSz="914400" rtl="0" eaLnBrk="1" latinLnBrk="0" hangingPunct="1">
+      <a:defRPr sz="1200" kern="1200">
+        <a:solidFill>
+          <a:schemeClr val="tx1"/>
+        </a:solidFill>
+        <a:latin typeface="+mn-lt"/>
+        <a:ea typeface="+mn-ea"/>
+        <a:cs typeface="+mn-cs"/>
+      </a:defRPr>
+    </a:lvl3pPr>
+    <a:lvl4pPr marL="1371600" algn="l" defTabSz="914400" rtl="0" eaLnBrk="1" latinLnBrk="0" hangingPunct="1">
+      <a:defRPr sz="1200" kern="1200">
+        <a:solidFill>
+          <a:schemeClr val="tx1"/>
+        </a:solidFill>
+        <a:latin typeface="+mn-lt"/>
+        <a:ea typeface="+mn-ea"/>
+        <a:cs typeface="+mn-cs"/>
+      </a:defRPr>
+    </a:lvl4pPr>
+    <a:lvl5pPr marL="1828800" algn="l" defTabSz="914400" rtl="0" eaLnBrk="1" latinLnBrk="0" hangingPunct="1">
+      <a:defRPr sz="1200" kern="1200">
+        <a:solidFill>
+          <a:schemeClr val="tx1"/>
+        </a:solidFill>
+        <a:latin typeface="+mn-lt"/>
+        <a:ea typeface="+mn-ea"/>
+        <a:cs typeface="+mn-cs"/>
+      </a:defRPr>
+    </a:lvl5pPr>
+    <a:lvl6pPr marL="2286000" algn="l" defTabSz="914400" rtl="0" eaLnBrk="1" latinLnBrk="0" hangingPunct="1">
+      <a:defRPr sz="1200" kern="1200">
+        <a:solidFill>
+          <a:schemeClr val="tx1"/>
+        </a:solidFill>
+        <a:latin typeface="+mn-lt"/>
+        <a:ea typeface="+mn-ea"/>
+        <a:cs typeface="+mn-cs"/>
+      </a:defRPr>
+    </a:lvl6pPr>
+    <a:lvl7pPr marL="2743200" algn="l" defTabSz="914400" rtl="0" eaLnBrk="1" latinLnBrk="0" hangingPunct="1">
+      <a:defRPr sz="1200" kern="1200">
+        <a:solidFill>
+          <a:schemeClr val="tx1"/>
+        </a:solidFill>
+        <a:latin typeface="+mn-lt"/>
+        <a:ea typeface="+mn-ea"/>
+        <a:cs typeface="+mn-cs"/>
+      </a:defRPr>
+    </a:lvl7pPr>
+    <a:lvl8pPr marL="3200400" algn="l" defTabSz="914400" rtl="0" eaLnBrk="1" latinLnBrk="0" hangingPunct="1">
+      <a:defRPr sz="1200" kern="1200">
+        <a:solidFill>
+          <a:schemeClr val="tx1"/>
+        </a:solidFill>
+        <a:latin typeface="+mn-lt"/>
+        <a:ea typeface="+mn-ea"/>
+        <a:cs typeface="+mn-cs"/>
+      </a:defRPr>
+    </a:lvl8pPr>
+    <a:lvl9pPr marL="3657600" algn="l" defTabSz="914400" rtl="0" eaLnBrk="1" latinLnBrk="0" hangingPunct="1">
+      <a:defRPr sz="1200" kern="1200">
+        <a:solidFill>
+          <a:schemeClr val="tx1"/>
+        </a:solidFill>
+        <a:latin typeface="+mn-lt"/>
+        <a:ea typeface="+mn-ea"/>
+        <a:cs typeface="+mn-cs"/>
+      </a:defRPr>
+    </a:lvl9pPr>
+  </p:notesStyle>
+</p:notesMaster>
+</file>
+
+<file path=ppt/notesSlides/notesSlide1.xml><?xml version="1.0" encoding="utf-8"?>
+<p:notes xmlns:a="http://schemas.openxmlformats.org/drawingml/2006/main" xmlns:r="http://schemas.openxmlformats.org/officeDocument/2006/relationships" xmlns:p="http://schemas.openxmlformats.org/presentationml/2006/main">
+  <p:cSld>
+    <p:spTree>
+      <p:nvGrpSpPr>
+        <p:cNvPr id="1" name=""/>
+        <p:cNvGrpSpPr/>
+        <p:nvPr/>
+      </p:nvGrpSpPr>
+      <p:grpSpPr>
+        <a:xfrm>
+          <a:off x="0" y="0"/>
+          <a:ext cx="0" cy="0"/>
+          <a:chOff x="0" y="0"/>
+          <a:chExt cx="0" cy="0"/>
+        </a:xfrm>
+      </p:grpSpPr>
+      <p:sp>
+        <p:nvSpPr>
+          <p:cNvPr id="2" name="Slide Image Placeholder 1"/>
+          <p:cNvSpPr>
+            <a:spLocks noGrp="1" noRot="1" noChangeAspect="1"/>
+          </p:cNvSpPr>
+          <p:nvPr>
+            <p:ph type="sldImg"/>
+          </p:nvPr>
+        </p:nvSpPr>
+        <p:spPr/>
+      </p:sp>
+      <p:sp>
+        <p:nvSpPr>
+          <p:cNvPr id="3" name="Notes Placeholder 2"/>
+          <p:cNvSpPr>
+            <a:spLocks noGrp="1"/>
+          </p:cNvSpPr>
+          <p:nvPr>
+            <p:ph type="body" idx="1"/>
+          </p:nvPr>
+        </p:nvSpPr>
+        <p:spPr/>
+        <p:txBody>
+          <a:bodyPr/>
+          <a:lstStyle/>
+          <a:p>
+            <a:endParaRPr lang="en-US" dirty="0"/>
+          </a:p>
+        </p:txBody>
+      </p:sp>
+      <p:sp>
+        <p:nvSpPr>
+          <p:cNvPr id="4" name="Slide Number Placeholder 3"/>
+          <p:cNvSpPr>
+            <a:spLocks noGrp="1"/>
+          </p:cNvSpPr>
+          <p:nvPr>
+            <p:ph type="sldNum" sz="quarter" idx="5"/>
+          </p:nvPr>
+        </p:nvSpPr>
+        <p:spPr/>
+        <p:txBody>
+          <a:bodyPr/>
+          <a:lstStyle/>
+          <a:p>
+            <a:fld id="{AE5B9B51-D91E-49D0-9B97-1B61F1D60F06}" type="slidenum">
+              <a:rPr lang="en-US" smtClean="0"/>
+              <a:t>17</a:t>
+            </a:fld>
+            <a:endParaRPr lang="en-US"/>
+          </a:p>
+        </p:txBody>
+      </p:sp>
+    </p:spTree>
+    <p:extLst>
+      <p:ext uri="{BB962C8B-B14F-4D97-AF65-F5344CB8AC3E}">
+        <p14:creationId xmlns:p14="http://schemas.microsoft.com/office/powerpoint/2010/main" val="3241793662"/>
+      </p:ext>
+    </p:extLst>
+  </p:cSld>
+  <p:clrMapOvr>
+    <a:masterClrMapping/>
+  </p:clrMapOvr>
+</p:notes>
+</file>
+
 <file path=ppt/slideLayouts/slideLayout1.xml><?xml version="1.0" encoding="utf-8"?>
 <p:sldLayout xmlns:a="http://schemas.openxmlformats.org/drawingml/2006/main" xmlns:r="http://schemas.openxmlformats.org/officeDocument/2006/relationships" xmlns:p="http://schemas.openxmlformats.org/presentationml/2006/main" preserve="1" userDrawn="1">
   <p:cSld name="Title Slide">
@@ -233,7 +688,7 @@
           </a:lstStyle>
           <a:p>
             <a:r>
-              <a:rPr lang="en-US" altLang="ko-KR" dirty="0" smtClean="0"/>
+              <a:rPr lang="en-US" altLang="ko-KR" dirty="0"/>
               <a:t>Insert Image</a:t>
             </a:r>
             <a:endParaRPr lang="ko-KR" altLang="en-US" dirty="0"/>
@@ -250,13 +705,6 @@
   <p:clrMapOvr>
     <a:masterClrMapping/>
   </p:clrMapOvr>
-  <p:timing>
-    <p:tnLst>
-      <p:par>
-        <p:cTn id="1" dur="indefinite" restart="never" nodeType="tmRoot"/>
-      </p:par>
-    </p:tnLst>
-  </p:timing>
 </p:sldLayout>
 </file>
 
@@ -301,7 +749,7 @@
           <a:lstStyle/>
           <a:p>
             <a:r>
-              <a:rPr lang="en-US" altLang="ko-KR" smtClean="0"/>
+              <a:rPr lang="en-US" altLang="ko-KR"/>
               <a:t>Click to edit Master title style</a:t>
             </a:r>
             <a:endParaRPr lang="ko-KR" altLang="en-US"/>
@@ -333,35 +781,35 @@
           <a:p>
             <a:pPr lvl="0"/>
             <a:r>
-              <a:rPr lang="en-US" altLang="ko-KR" smtClean="0"/>
+              <a:rPr lang="en-US" altLang="ko-KR"/>
               <a:t>Click to edit Master text styles</a:t>
             </a:r>
           </a:p>
           <a:p>
             <a:pPr lvl="1"/>
             <a:r>
-              <a:rPr lang="en-US" altLang="ko-KR" smtClean="0"/>
+              <a:rPr lang="en-US" altLang="ko-KR"/>
               <a:t>Second level</a:t>
             </a:r>
           </a:p>
           <a:p>
             <a:pPr lvl="2"/>
             <a:r>
-              <a:rPr lang="en-US" altLang="ko-KR" smtClean="0"/>
+              <a:rPr lang="en-US" altLang="ko-KR"/>
               <a:t>Third level</a:t>
             </a:r>
           </a:p>
           <a:p>
             <a:pPr lvl="3"/>
             <a:r>
-              <a:rPr lang="en-US" altLang="ko-KR" smtClean="0"/>
+              <a:rPr lang="en-US" altLang="ko-KR"/>
               <a:t>Fourth level</a:t>
             </a:r>
           </a:p>
           <a:p>
             <a:pPr lvl="4"/>
             <a:r>
-              <a:rPr lang="en-US" altLang="ko-KR" smtClean="0"/>
+              <a:rPr lang="en-US" altLang="ko-KR"/>
               <a:t>Fifth level</a:t>
             </a:r>
             <a:endParaRPr lang="ko-KR" altLang="en-US"/>
@@ -393,7 +841,7 @@
           <a:p>
             <a:fld id="{DF8C5CDB-1AEF-4522-8EAF-CE1F4E5D863E}" type="datetimeFigureOut">
               <a:rPr lang="ko-KR" altLang="en-US" smtClean="0"/>
-              <a:t>2021-05-26</a:t>
+              <a:t>2021-06-09</a:t>
             </a:fld>
             <a:endParaRPr lang="ko-KR" altLang="en-US"/>
           </a:p>
@@ -511,7 +959,7 @@
           <a:lstStyle/>
           <a:p>
             <a:r>
-              <a:rPr lang="en-US" altLang="ko-KR" smtClean="0"/>
+              <a:rPr lang="en-US" altLang="ko-KR"/>
               <a:t>Click to edit Master title style</a:t>
             </a:r>
             <a:endParaRPr lang="ko-KR" altLang="en-US"/>
@@ -543,35 +991,35 @@
           <a:p>
             <a:pPr lvl="0"/>
             <a:r>
-              <a:rPr lang="en-US" altLang="ko-KR" smtClean="0"/>
+              <a:rPr lang="en-US" altLang="ko-KR"/>
               <a:t>Click to edit Master text styles</a:t>
             </a:r>
           </a:p>
           <a:p>
             <a:pPr lvl="1"/>
             <a:r>
-              <a:rPr lang="en-US" altLang="ko-KR" smtClean="0"/>
+              <a:rPr lang="en-US" altLang="ko-KR"/>
               <a:t>Second level</a:t>
             </a:r>
           </a:p>
           <a:p>
             <a:pPr lvl="2"/>
             <a:r>
-              <a:rPr lang="en-US" altLang="ko-KR" smtClean="0"/>
+              <a:rPr lang="en-US" altLang="ko-KR"/>
               <a:t>Third level</a:t>
             </a:r>
           </a:p>
           <a:p>
             <a:pPr lvl="3"/>
             <a:r>
-              <a:rPr lang="en-US" altLang="ko-KR" smtClean="0"/>
+              <a:rPr lang="en-US" altLang="ko-KR"/>
               <a:t>Fourth level</a:t>
             </a:r>
           </a:p>
           <a:p>
             <a:pPr lvl="4"/>
             <a:r>
-              <a:rPr lang="en-US" altLang="ko-KR" smtClean="0"/>
+              <a:rPr lang="en-US" altLang="ko-KR"/>
               <a:t>Fifth level</a:t>
             </a:r>
             <a:endParaRPr lang="ko-KR" altLang="en-US"/>
@@ -603,7 +1051,7 @@
           <a:p>
             <a:fld id="{DF8C5CDB-1AEF-4522-8EAF-CE1F4E5D863E}" type="datetimeFigureOut">
               <a:rPr lang="ko-KR" altLang="en-US" smtClean="0"/>
-              <a:t>2021-05-26</a:t>
+              <a:t>2021-06-09</a:t>
             </a:fld>
             <a:endParaRPr lang="ko-KR" altLang="en-US"/>
           </a:p>
@@ -725,7 +1173,7 @@
           </a:lstStyle>
           <a:p>
             <a:r>
-              <a:rPr lang="en-US" altLang="ko-KR" dirty="0" smtClean="0"/>
+              <a:rPr lang="en-US" altLang="ko-KR" dirty="0"/>
               <a:t> Click to edit title</a:t>
             </a:r>
             <a:endParaRPr lang="ko-KR" altLang="en-US" dirty="0"/>
@@ -757,7 +1205,7 @@
           <a:p>
             <a:pPr lvl="0"/>
             <a:r>
-              <a:rPr lang="en-US" altLang="ko-KR" dirty="0" smtClean="0"/>
+              <a:rPr lang="en-US" altLang="ko-KR" dirty="0"/>
               <a:t>Click to edit Master text styles</a:t>
             </a:r>
           </a:p>
@@ -773,13 +1221,6 @@
   <p:clrMapOvr>
     <a:masterClrMapping/>
   </p:clrMapOvr>
-  <p:timing>
-    <p:tnLst>
-      <p:par>
-        <p:cTn id="1" dur="indefinite" restart="never" nodeType="tmRoot"/>
-      </p:par>
-    </p:tnLst>
-  </p:timing>
 </p:sldLayout>
 </file>
 
@@ -828,7 +1269,7 @@
           </a:lstStyle>
           <a:p>
             <a:r>
-              <a:rPr lang="en-US" altLang="ko-KR" dirty="0" smtClean="0"/>
+              <a:rPr lang="en-US" altLang="ko-KR" dirty="0"/>
               <a:t>Click to edit title</a:t>
             </a:r>
             <a:endParaRPr lang="ko-KR" altLang="en-US" dirty="0"/>
@@ -951,7 +1392,7 @@
           <a:p>
             <a:pPr lvl="0"/>
             <a:r>
-              <a:rPr lang="en-US" altLang="ko-KR" smtClean="0"/>
+              <a:rPr lang="en-US" altLang="ko-KR"/>
               <a:t>Click to edit Master text styles</a:t>
             </a:r>
           </a:p>
@@ -982,7 +1423,7 @@
           <a:p>
             <a:fld id="{DF8C5CDB-1AEF-4522-8EAF-CE1F4E5D863E}" type="datetimeFigureOut">
               <a:rPr lang="ko-KR" altLang="en-US" smtClean="0"/>
-              <a:t>2021-05-26</a:t>
+              <a:t>2021-06-09</a:t>
             </a:fld>
             <a:endParaRPr lang="ko-KR" altLang="en-US"/>
           </a:p>
@@ -1104,7 +1545,7 @@
           </a:lstStyle>
           <a:p>
             <a:r>
-              <a:rPr lang="en-US" altLang="ko-KR" dirty="0" smtClean="0"/>
+              <a:rPr lang="en-US" altLang="ko-KR" dirty="0"/>
               <a:t>Click to edit title</a:t>
             </a:r>
             <a:endParaRPr lang="ko-KR" altLang="en-US" dirty="0"/>
@@ -1164,35 +1605,35 @@
           <a:p>
             <a:pPr lvl="0"/>
             <a:r>
-              <a:rPr lang="en-US" altLang="ko-KR" smtClean="0"/>
+              <a:rPr lang="en-US" altLang="ko-KR"/>
               <a:t>Click to edit Master text styles</a:t>
             </a:r>
           </a:p>
           <a:p>
             <a:pPr lvl="1"/>
             <a:r>
-              <a:rPr lang="en-US" altLang="ko-KR" smtClean="0"/>
+              <a:rPr lang="en-US" altLang="ko-KR"/>
               <a:t>Second level</a:t>
             </a:r>
           </a:p>
           <a:p>
             <a:pPr lvl="2"/>
             <a:r>
-              <a:rPr lang="en-US" altLang="ko-KR" smtClean="0"/>
+              <a:rPr lang="en-US" altLang="ko-KR"/>
               <a:t>Third level</a:t>
             </a:r>
           </a:p>
           <a:p>
             <a:pPr lvl="3"/>
             <a:r>
-              <a:rPr lang="en-US" altLang="ko-KR" smtClean="0"/>
+              <a:rPr lang="en-US" altLang="ko-KR"/>
               <a:t>Fourth level</a:t>
             </a:r>
           </a:p>
           <a:p>
             <a:pPr lvl="4"/>
             <a:r>
-              <a:rPr lang="en-US" altLang="ko-KR" smtClean="0"/>
+              <a:rPr lang="en-US" altLang="ko-KR"/>
               <a:t>Fifth level</a:t>
             </a:r>
             <a:endParaRPr lang="ko-KR" altLang="en-US"/>
@@ -1252,35 +1693,35 @@
           <a:p>
             <a:pPr lvl="0"/>
             <a:r>
-              <a:rPr lang="en-US" altLang="ko-KR" smtClean="0"/>
+              <a:rPr lang="en-US" altLang="ko-KR"/>
               <a:t>Click to edit Master text styles</a:t>
             </a:r>
           </a:p>
           <a:p>
             <a:pPr lvl="1"/>
             <a:r>
-              <a:rPr lang="en-US" altLang="ko-KR" smtClean="0"/>
+              <a:rPr lang="en-US" altLang="ko-KR"/>
               <a:t>Second level</a:t>
             </a:r>
           </a:p>
           <a:p>
             <a:pPr lvl="2"/>
             <a:r>
-              <a:rPr lang="en-US" altLang="ko-KR" smtClean="0"/>
+              <a:rPr lang="en-US" altLang="ko-KR"/>
               <a:t>Third level</a:t>
             </a:r>
           </a:p>
           <a:p>
             <a:pPr lvl="3"/>
             <a:r>
-              <a:rPr lang="en-US" altLang="ko-KR" smtClean="0"/>
+              <a:rPr lang="en-US" altLang="ko-KR"/>
               <a:t>Fourth level</a:t>
             </a:r>
           </a:p>
           <a:p>
             <a:pPr lvl="4"/>
             <a:r>
-              <a:rPr lang="en-US" altLang="ko-KR" smtClean="0"/>
+              <a:rPr lang="en-US" altLang="ko-KR"/>
               <a:t>Fifth level</a:t>
             </a:r>
             <a:endParaRPr lang="ko-KR" altLang="en-US"/>
@@ -1312,7 +1753,7 @@
           <a:p>
             <a:fld id="{DF8C5CDB-1AEF-4522-8EAF-CE1F4E5D863E}" type="datetimeFigureOut">
               <a:rPr lang="ko-KR" altLang="en-US" smtClean="0"/>
-              <a:t>2021-05-26</a:t>
+              <a:t>2021-06-09</a:t>
             </a:fld>
             <a:endParaRPr lang="ko-KR" altLang="en-US"/>
           </a:p>
@@ -1434,7 +1875,7 @@
           </a:lstStyle>
           <a:p>
             <a:r>
-              <a:rPr lang="en-US" altLang="ko-KR" dirty="0" smtClean="0"/>
+              <a:rPr lang="en-US" altLang="ko-KR" dirty="0"/>
               <a:t>Click to edit title</a:t>
             </a:r>
             <a:endParaRPr lang="ko-KR" altLang="en-US" dirty="0"/>
@@ -1503,7 +1944,7 @@
           <a:p>
             <a:pPr lvl="0"/>
             <a:r>
-              <a:rPr lang="en-US" altLang="ko-KR" smtClean="0"/>
+              <a:rPr lang="en-US" altLang="ko-KR"/>
               <a:t>Click to edit Master text styles</a:t>
             </a:r>
           </a:p>
@@ -1562,35 +2003,35 @@
           <a:p>
             <a:pPr lvl="0"/>
             <a:r>
-              <a:rPr lang="en-US" altLang="ko-KR" smtClean="0"/>
+              <a:rPr lang="en-US" altLang="ko-KR"/>
               <a:t>Click to edit Master text styles</a:t>
             </a:r>
           </a:p>
           <a:p>
             <a:pPr lvl="1"/>
             <a:r>
-              <a:rPr lang="en-US" altLang="ko-KR" smtClean="0"/>
+              <a:rPr lang="en-US" altLang="ko-KR"/>
               <a:t>Second level</a:t>
             </a:r>
           </a:p>
           <a:p>
             <a:pPr lvl="2"/>
             <a:r>
-              <a:rPr lang="en-US" altLang="ko-KR" smtClean="0"/>
+              <a:rPr lang="en-US" altLang="ko-KR"/>
               <a:t>Third level</a:t>
             </a:r>
           </a:p>
           <a:p>
             <a:pPr lvl="3"/>
             <a:r>
-              <a:rPr lang="en-US" altLang="ko-KR" smtClean="0"/>
+              <a:rPr lang="en-US" altLang="ko-KR"/>
               <a:t>Fourth level</a:t>
             </a:r>
           </a:p>
           <a:p>
             <a:pPr lvl="4"/>
             <a:r>
-              <a:rPr lang="en-US" altLang="ko-KR" smtClean="0"/>
+              <a:rPr lang="en-US" altLang="ko-KR"/>
               <a:t>Fifth level</a:t>
             </a:r>
             <a:endParaRPr lang="ko-KR" altLang="en-US"/>
@@ -1659,7 +2100,7 @@
           <a:p>
             <a:pPr lvl="0"/>
             <a:r>
-              <a:rPr lang="en-US" altLang="ko-KR" smtClean="0"/>
+              <a:rPr lang="en-US" altLang="ko-KR"/>
               <a:t>Click to edit Master text styles</a:t>
             </a:r>
           </a:p>
@@ -1718,35 +2159,35 @@
           <a:p>
             <a:pPr lvl="0"/>
             <a:r>
-              <a:rPr lang="en-US" altLang="ko-KR" smtClean="0"/>
+              <a:rPr lang="en-US" altLang="ko-KR"/>
               <a:t>Click to edit Master text styles</a:t>
             </a:r>
           </a:p>
           <a:p>
             <a:pPr lvl="1"/>
             <a:r>
-              <a:rPr lang="en-US" altLang="ko-KR" smtClean="0"/>
+              <a:rPr lang="en-US" altLang="ko-KR"/>
               <a:t>Second level</a:t>
             </a:r>
           </a:p>
           <a:p>
             <a:pPr lvl="2"/>
             <a:r>
-              <a:rPr lang="en-US" altLang="ko-KR" smtClean="0"/>
+              <a:rPr lang="en-US" altLang="ko-KR"/>
               <a:t>Third level</a:t>
             </a:r>
           </a:p>
           <a:p>
             <a:pPr lvl="3"/>
             <a:r>
-              <a:rPr lang="en-US" altLang="ko-KR" smtClean="0"/>
+              <a:rPr lang="en-US" altLang="ko-KR"/>
               <a:t>Fourth level</a:t>
             </a:r>
           </a:p>
           <a:p>
             <a:pPr lvl="4"/>
             <a:r>
-              <a:rPr lang="en-US" altLang="ko-KR" smtClean="0"/>
+              <a:rPr lang="en-US" altLang="ko-KR"/>
               <a:t>Fifth level</a:t>
             </a:r>
             <a:endParaRPr lang="ko-KR" altLang="en-US"/>
@@ -1778,7 +2219,7 @@
           <a:p>
             <a:fld id="{DF8C5CDB-1AEF-4522-8EAF-CE1F4E5D863E}" type="datetimeFigureOut">
               <a:rPr lang="ko-KR" altLang="en-US" smtClean="0"/>
-              <a:t>2021-05-26</a:t>
+              <a:t>2021-06-09</a:t>
             </a:fld>
             <a:endParaRPr lang="ko-KR" altLang="en-US"/>
           </a:p>
@@ -1896,7 +2337,7 @@
           <a:lstStyle/>
           <a:p>
             <a:r>
-              <a:rPr lang="en-US" altLang="ko-KR" smtClean="0"/>
+              <a:rPr lang="en-US" altLang="ko-KR"/>
               <a:t>Click to edit Master title style</a:t>
             </a:r>
             <a:endParaRPr lang="ko-KR" altLang="en-US"/>
@@ -1928,7 +2369,7 @@
           <a:p>
             <a:fld id="{DF8C5CDB-1AEF-4522-8EAF-CE1F4E5D863E}" type="datetimeFigureOut">
               <a:rPr lang="ko-KR" altLang="en-US" smtClean="0"/>
-              <a:t>2021-05-26</a:t>
+              <a:t>2021-06-09</a:t>
             </a:fld>
             <a:endParaRPr lang="ko-KR" altLang="en-US"/>
           </a:p>
@@ -2047,7 +2488,7 @@
           <a:p>
             <a:fld id="{DF8C5CDB-1AEF-4522-8EAF-CE1F4E5D863E}" type="datetimeFigureOut">
               <a:rPr lang="ko-KR" altLang="en-US" smtClean="0"/>
-              <a:t>2021-05-26</a:t>
+              <a:t>2021-06-09</a:t>
             </a:fld>
             <a:endParaRPr lang="ko-KR" altLang="en-US"/>
           </a:p>
@@ -2169,7 +2610,7 @@
           </a:lstStyle>
           <a:p>
             <a:r>
-              <a:rPr lang="en-US" altLang="ko-KR" smtClean="0"/>
+              <a:rPr lang="en-US" altLang="ko-KR"/>
               <a:t>Click to edit Master title style</a:t>
             </a:r>
             <a:endParaRPr lang="ko-KR" altLang="en-US"/>
@@ -2229,35 +2670,35 @@
           <a:p>
             <a:pPr lvl="0"/>
             <a:r>
-              <a:rPr lang="en-US" altLang="ko-KR" smtClean="0"/>
+              <a:rPr lang="en-US" altLang="ko-KR"/>
               <a:t>Click to edit Master text styles</a:t>
             </a:r>
           </a:p>
           <a:p>
             <a:pPr lvl="1"/>
             <a:r>
-              <a:rPr lang="en-US" altLang="ko-KR" smtClean="0"/>
+              <a:rPr lang="en-US" altLang="ko-KR"/>
               <a:t>Second level</a:t>
             </a:r>
           </a:p>
           <a:p>
             <a:pPr lvl="2"/>
             <a:r>
-              <a:rPr lang="en-US" altLang="ko-KR" smtClean="0"/>
+              <a:rPr lang="en-US" altLang="ko-KR"/>
               <a:t>Third level</a:t>
             </a:r>
           </a:p>
           <a:p>
             <a:pPr lvl="3"/>
             <a:r>
-              <a:rPr lang="en-US" altLang="ko-KR" smtClean="0"/>
+              <a:rPr lang="en-US" altLang="ko-KR"/>
               <a:t>Fourth level</a:t>
             </a:r>
           </a:p>
           <a:p>
             <a:pPr lvl="4"/>
             <a:r>
-              <a:rPr lang="en-US" altLang="ko-KR" smtClean="0"/>
+              <a:rPr lang="en-US" altLang="ko-KR"/>
               <a:t>Fifth level</a:t>
             </a:r>
             <a:endParaRPr lang="ko-KR" altLang="en-US"/>
@@ -2326,7 +2767,7 @@
           <a:p>
             <a:pPr lvl="0"/>
             <a:r>
-              <a:rPr lang="en-US" altLang="ko-KR" smtClean="0"/>
+              <a:rPr lang="en-US" altLang="ko-KR"/>
               <a:t>Click to edit Master text styles</a:t>
             </a:r>
           </a:p>
@@ -2357,7 +2798,7 @@
           <a:p>
             <a:fld id="{DF8C5CDB-1AEF-4522-8EAF-CE1F4E5D863E}" type="datetimeFigureOut">
               <a:rPr lang="ko-KR" altLang="en-US" smtClean="0"/>
-              <a:t>2021-05-26</a:t>
+              <a:t>2021-06-09</a:t>
             </a:fld>
             <a:endParaRPr lang="ko-KR" altLang="en-US"/>
           </a:p>
@@ -2479,7 +2920,7 @@
           </a:lstStyle>
           <a:p>
             <a:r>
-              <a:rPr lang="en-US" altLang="ko-KR" smtClean="0"/>
+              <a:rPr lang="en-US" altLang="ko-KR"/>
               <a:t>Click to edit Master title style</a:t>
             </a:r>
             <a:endParaRPr lang="ko-KR" altLang="en-US"/>
@@ -2612,7 +3053,7 @@
           <a:p>
             <a:pPr lvl="0"/>
             <a:r>
-              <a:rPr lang="en-US" altLang="ko-KR" smtClean="0"/>
+              <a:rPr lang="en-US" altLang="ko-KR"/>
               <a:t>Click to edit Master text styles</a:t>
             </a:r>
           </a:p>
@@ -2643,7 +3084,7 @@
           <a:p>
             <a:fld id="{DF8C5CDB-1AEF-4522-8EAF-CE1F4E5D863E}" type="datetimeFigureOut">
               <a:rPr lang="ko-KR" altLang="en-US" smtClean="0"/>
-              <a:t>2021-05-26</a:t>
+              <a:t>2021-06-09</a:t>
             </a:fld>
             <a:endParaRPr lang="ko-KR" altLang="en-US"/>
           </a:p>
@@ -2772,13 +3213,6 @@
     <p:sldLayoutId id="2147483658" r:id="rId10"/>
     <p:sldLayoutId id="2147483659" r:id="rId11"/>
   </p:sldLayoutIdLst>
-  <p:timing>
-    <p:tnLst>
-      <p:par>
-        <p:cTn id="1" dur="indefinite" restart="never" nodeType="tmRoot"/>
-      </p:par>
-    </p:tnLst>
-  </p:timing>
   <p:txStyles>
     <p:titleStyle>
       <a:lvl1pPr algn="ctr" defTabSz="914400" rtl="0" eaLnBrk="1" latinLnBrk="1" hangingPunct="1">
@@ -3081,7 +3515,7 @@
               <a:defRPr/>
             </a:pPr>
             <a:r>
-              <a:rPr kumimoji="0" lang="en-US" altLang="ko-KR" sz="1200" b="1" dirty="0" smtClean="0">
+              <a:rPr kumimoji="0" lang="en-US" altLang="ko-KR" sz="1200" b="1" dirty="0">
                 <a:solidFill>
                   <a:schemeClr val="bg1">
                     <a:lumMod val="65000"/>
@@ -3093,7 +3527,7 @@
               <a:t>Some brief presentation about advantage of using </a:t>
             </a:r>
             <a:r>
-              <a:rPr kumimoji="0" lang="en-US" altLang="ko-KR" sz="1200" b="1" dirty="0" err="1" smtClean="0">
+              <a:rPr kumimoji="0" lang="en-US" altLang="ko-KR" sz="1200" b="1" dirty="0" err="1">
                 <a:solidFill>
                   <a:schemeClr val="bg1">
                     <a:lumMod val="65000"/>
@@ -3105,7 +3539,7 @@
               <a:t>ts</a:t>
             </a:r>
             <a:r>
-              <a:rPr kumimoji="0" lang="en-US" altLang="ko-KR" sz="1200" b="1" dirty="0" smtClean="0">
+              <a:rPr kumimoji="0" lang="en-US" altLang="ko-KR" sz="1200" b="1" dirty="0">
                 <a:solidFill>
                   <a:schemeClr val="bg1">
                     <a:lumMod val="65000"/>
@@ -3116,15 +3550,6 @@
               </a:rPr>
               <a:t> in react app</a:t>
             </a:r>
-            <a:endParaRPr kumimoji="0" lang="en-US" altLang="ko-KR" sz="1200" b="1" dirty="0">
-              <a:solidFill>
-                <a:schemeClr val="bg1">
-                  <a:lumMod val="65000"/>
-                </a:schemeClr>
-              </a:solidFill>
-              <a:latin typeface="Calibri" pitchFamily="34" charset="0"/>
-              <a:cs typeface="Calibri" pitchFamily="34" charset="0"/>
-            </a:endParaRPr>
           </a:p>
         </p:txBody>
       </p:sp>
@@ -3160,7 +3585,7 @@
           <a:p>
             <a:pPr algn="ctr"/>
             <a:r>
-              <a:rPr lang="en-US" altLang="ko-KR" sz="3600" b="1" dirty="0" smtClean="0">
+              <a:rPr lang="en-US" altLang="ko-KR" sz="3600" b="1" dirty="0">
                 <a:solidFill>
                   <a:schemeClr val="tx1">
                     <a:lumMod val="65000"/>
@@ -3173,17 +3598,6 @@
               </a:rPr>
               <a:t>Present by Shahrooz</a:t>
             </a:r>
-            <a:endParaRPr lang="en-US" altLang="ko-KR" sz="3600" b="1" dirty="0" smtClean="0">
-              <a:solidFill>
-                <a:schemeClr val="tx1">
-                  <a:lumMod val="65000"/>
-                  <a:lumOff val="35000"/>
-                </a:schemeClr>
-              </a:solidFill>
-              <a:latin typeface="Calibri" pitchFamily="34" charset="0"/>
-              <a:ea typeface="맑은 고딕" pitchFamily="50" charset="-127"/>
-              <a:cs typeface="Calibri" pitchFamily="34" charset="0"/>
-            </a:endParaRPr>
           </a:p>
         </p:txBody>
       </p:sp>
@@ -3210,7 +3624,12 @@
             <a:fillRect/>
           </a:stretch>
         </p:blipFill>
-        <p:spPr/>
+        <p:spPr>
+          <a:xfrm>
+            <a:off x="3131840" y="843558"/>
+            <a:ext cx="2880320" cy="1584176"/>
+          </a:xfrm>
+        </p:spPr>
       </p:pic>
     </p:spTree>
     <p:extLst>
@@ -3222,13 +3641,1574 @@
   <p:clrMapOvr>
     <a:masterClrMapping/>
   </p:clrMapOvr>
-  <p:timing>
-    <p:tnLst>
-      <p:par>
-        <p:cTn id="1" dur="indefinite" restart="never" nodeType="tmRoot"/>
-      </p:par>
-    </p:tnLst>
-  </p:timing>
+</p:sld>
+</file>
+
+<file path=ppt/slides/slide10.xml><?xml version="1.0" encoding="utf-8"?>
+<p:sld xmlns:a="http://schemas.openxmlformats.org/drawingml/2006/main" xmlns:r="http://schemas.openxmlformats.org/officeDocument/2006/relationships" xmlns:p="http://schemas.openxmlformats.org/presentationml/2006/main">
+  <p:cSld>
+    <p:spTree>
+      <p:nvGrpSpPr>
+        <p:cNvPr id="1" name=""/>
+        <p:cNvGrpSpPr/>
+        <p:nvPr/>
+      </p:nvGrpSpPr>
+      <p:grpSpPr>
+        <a:xfrm>
+          <a:off x="0" y="0"/>
+          <a:ext cx="0" cy="0"/>
+          <a:chOff x="0" y="0"/>
+          <a:chExt cx="0" cy="0"/>
+        </a:xfrm>
+      </p:grpSpPr>
+      <p:sp>
+        <p:nvSpPr>
+          <p:cNvPr id="2" name="Title 1">
+            <a:extLst>
+              <a:ext uri="{FF2B5EF4-FFF2-40B4-BE49-F238E27FC236}">
+                <a16:creationId xmlns:a16="http://schemas.microsoft.com/office/drawing/2014/main" id="{944324F8-B21A-4B56-B710-D937D5B31F62}"/>
+              </a:ext>
+            </a:extLst>
+          </p:cNvPr>
+          <p:cNvSpPr>
+            <a:spLocks noGrp="1"/>
+          </p:cNvSpPr>
+          <p:nvPr>
+            <p:ph type="title"/>
+          </p:nvPr>
+        </p:nvSpPr>
+        <p:spPr/>
+        <p:txBody>
+          <a:bodyPr/>
+          <a:lstStyle/>
+          <a:p>
+            <a:r>
+              <a:rPr lang="en-US" dirty="0"/>
+              <a:t>Features</a:t>
+            </a:r>
+          </a:p>
+        </p:txBody>
+      </p:sp>
+      <p:sp>
+        <p:nvSpPr>
+          <p:cNvPr id="3" name="Content Placeholder 2">
+            <a:extLst>
+              <a:ext uri="{FF2B5EF4-FFF2-40B4-BE49-F238E27FC236}">
+                <a16:creationId xmlns:a16="http://schemas.microsoft.com/office/drawing/2014/main" id="{1564D23B-DF75-4893-9458-1D976D6E8A19}"/>
+              </a:ext>
+            </a:extLst>
+          </p:cNvPr>
+          <p:cNvSpPr>
+            <a:spLocks noGrp="1"/>
+          </p:cNvSpPr>
+          <p:nvPr>
+            <p:ph idx="1"/>
+          </p:nvPr>
+        </p:nvSpPr>
+        <p:spPr/>
+        <p:txBody>
+          <a:bodyPr/>
+          <a:lstStyle/>
+          <a:p>
+            <a:r>
+              <a:rPr lang="en-US" dirty="0"/>
+              <a:t>Function Annotation:</a:t>
+            </a:r>
+            <a:br>
+              <a:rPr lang="en-US" dirty="0"/>
+            </a:br>
+            <a:r>
+              <a:rPr lang="en-US" sz="1800" dirty="0"/>
+              <a:t>When you declare a function, you can add type annotations after each parameter to declare what types of parameters the function accepts. Parameter type annotations go after the parameter name:</a:t>
+            </a:r>
+          </a:p>
+          <a:p>
+            <a:endParaRPr lang="en-US" dirty="0"/>
+          </a:p>
+          <a:p>
+            <a:endParaRPr lang="en-US" dirty="0"/>
+          </a:p>
+          <a:p>
+            <a:endParaRPr lang="en-US" dirty="0"/>
+          </a:p>
+        </p:txBody>
+      </p:sp>
+      <p:pic>
+        <p:nvPicPr>
+          <p:cNvPr id="4" name="Picture 3">
+            <a:extLst>
+              <a:ext uri="{FF2B5EF4-FFF2-40B4-BE49-F238E27FC236}">
+                <a16:creationId xmlns:a16="http://schemas.microsoft.com/office/drawing/2014/main" id="{B3C6D148-16BB-41DC-89F4-FE8D29235AA2}"/>
+              </a:ext>
+            </a:extLst>
+          </p:cNvPr>
+          <p:cNvPicPr>
+            <a:picLocks noChangeAspect="1"/>
+          </p:cNvPicPr>
+          <p:nvPr/>
+        </p:nvPicPr>
+        <p:blipFill>
+          <a:blip r:embed="rId2"/>
+          <a:stretch>
+            <a:fillRect/>
+          </a:stretch>
+        </p:blipFill>
+        <p:spPr>
+          <a:xfrm>
+            <a:off x="683568" y="2715766"/>
+            <a:ext cx="7920880" cy="2194542"/>
+          </a:xfrm>
+          <a:prstGeom prst="rect">
+            <a:avLst/>
+          </a:prstGeom>
+        </p:spPr>
+      </p:pic>
+    </p:spTree>
+    <p:extLst>
+      <p:ext uri="{BB962C8B-B14F-4D97-AF65-F5344CB8AC3E}">
+        <p14:creationId xmlns:p14="http://schemas.microsoft.com/office/powerpoint/2010/main" val="2843569503"/>
+      </p:ext>
+    </p:extLst>
+  </p:cSld>
+  <p:clrMapOvr>
+    <a:masterClrMapping/>
+  </p:clrMapOvr>
+</p:sld>
+</file>
+
+<file path=ppt/slides/slide11.xml><?xml version="1.0" encoding="utf-8"?>
+<p:sld xmlns:a="http://schemas.openxmlformats.org/drawingml/2006/main" xmlns:r="http://schemas.openxmlformats.org/officeDocument/2006/relationships" xmlns:p="http://schemas.openxmlformats.org/presentationml/2006/main">
+  <p:cSld>
+    <p:spTree>
+      <p:nvGrpSpPr>
+        <p:cNvPr id="1" name=""/>
+        <p:cNvGrpSpPr/>
+        <p:nvPr/>
+      </p:nvGrpSpPr>
+      <p:grpSpPr>
+        <a:xfrm>
+          <a:off x="0" y="0"/>
+          <a:ext cx="0" cy="0"/>
+          <a:chOff x="0" y="0"/>
+          <a:chExt cx="0" cy="0"/>
+        </a:xfrm>
+      </p:grpSpPr>
+      <p:sp>
+        <p:nvSpPr>
+          <p:cNvPr id="2" name="Title 1">
+            <a:extLst>
+              <a:ext uri="{FF2B5EF4-FFF2-40B4-BE49-F238E27FC236}">
+                <a16:creationId xmlns:a16="http://schemas.microsoft.com/office/drawing/2014/main" id="{8F480D96-028B-4DA9-9585-6F3DBB57C465}"/>
+              </a:ext>
+            </a:extLst>
+          </p:cNvPr>
+          <p:cNvSpPr>
+            <a:spLocks noGrp="1"/>
+          </p:cNvSpPr>
+          <p:nvPr>
+            <p:ph type="title"/>
+          </p:nvPr>
+        </p:nvSpPr>
+        <p:spPr/>
+        <p:txBody>
+          <a:bodyPr/>
+          <a:lstStyle/>
+          <a:p>
+            <a:r>
+              <a:rPr lang="en-US" dirty="0"/>
+              <a:t>Features</a:t>
+            </a:r>
+          </a:p>
+        </p:txBody>
+      </p:sp>
+      <p:sp>
+        <p:nvSpPr>
+          <p:cNvPr id="3" name="Content Placeholder 2">
+            <a:extLst>
+              <a:ext uri="{FF2B5EF4-FFF2-40B4-BE49-F238E27FC236}">
+                <a16:creationId xmlns:a16="http://schemas.microsoft.com/office/drawing/2014/main" id="{6D1A5FBA-96F0-4A76-8508-5BFD965EE1E0}"/>
+              </a:ext>
+            </a:extLst>
+          </p:cNvPr>
+          <p:cNvSpPr>
+            <a:spLocks noGrp="1"/>
+          </p:cNvSpPr>
+          <p:nvPr>
+            <p:ph idx="1"/>
+          </p:nvPr>
+        </p:nvSpPr>
+        <p:spPr/>
+        <p:txBody>
+          <a:bodyPr/>
+          <a:lstStyle/>
+          <a:p>
+            <a:r>
+              <a:rPr lang="en-US" dirty="0"/>
+              <a:t>Return Type Annotation</a:t>
+            </a:r>
+          </a:p>
+          <a:p>
+            <a:r>
+              <a:rPr lang="en-US" sz="1800" dirty="0"/>
+              <a:t>Much like variable type annotations, you usually don’t need a return type annotation because TypeScript will infer the function’s return type based on its return statements. The type annotation in the above example doesn’t change anything. Some codebases will explicitly specify a return type for documentation purposes, to prevent accidental changes, or just for personal preference.</a:t>
+            </a:r>
+          </a:p>
+          <a:p>
+            <a:r>
+              <a:rPr lang="en-US" dirty="0"/>
+              <a:t> </a:t>
+            </a:r>
+          </a:p>
+        </p:txBody>
+      </p:sp>
+      <p:pic>
+        <p:nvPicPr>
+          <p:cNvPr id="5" name="Picture 4">
+            <a:extLst>
+              <a:ext uri="{FF2B5EF4-FFF2-40B4-BE49-F238E27FC236}">
+                <a16:creationId xmlns:a16="http://schemas.microsoft.com/office/drawing/2014/main" id="{16CBFF52-D52C-4DAF-B156-FFA410FA6FCA}"/>
+              </a:ext>
+            </a:extLst>
+          </p:cNvPr>
+          <p:cNvPicPr>
+            <a:picLocks noChangeAspect="1"/>
+          </p:cNvPicPr>
+          <p:nvPr/>
+        </p:nvPicPr>
+        <p:blipFill>
+          <a:blip r:embed="rId2"/>
+          <a:stretch>
+            <a:fillRect/>
+          </a:stretch>
+        </p:blipFill>
+        <p:spPr>
+          <a:xfrm>
+            <a:off x="899592" y="3723878"/>
+            <a:ext cx="7640712" cy="1019175"/>
+          </a:xfrm>
+          <a:prstGeom prst="rect">
+            <a:avLst/>
+          </a:prstGeom>
+        </p:spPr>
+      </p:pic>
+    </p:spTree>
+    <p:extLst>
+      <p:ext uri="{BB962C8B-B14F-4D97-AF65-F5344CB8AC3E}">
+        <p14:creationId xmlns:p14="http://schemas.microsoft.com/office/powerpoint/2010/main" val="3204014272"/>
+      </p:ext>
+    </p:extLst>
+  </p:cSld>
+  <p:clrMapOvr>
+    <a:masterClrMapping/>
+  </p:clrMapOvr>
+</p:sld>
+</file>
+
+<file path=ppt/slides/slide12.xml><?xml version="1.0" encoding="utf-8"?>
+<p:sld xmlns:a="http://schemas.openxmlformats.org/drawingml/2006/main" xmlns:r="http://schemas.openxmlformats.org/officeDocument/2006/relationships" xmlns:p="http://schemas.openxmlformats.org/presentationml/2006/main">
+  <p:cSld>
+    <p:spTree>
+      <p:nvGrpSpPr>
+        <p:cNvPr id="1" name=""/>
+        <p:cNvGrpSpPr/>
+        <p:nvPr/>
+      </p:nvGrpSpPr>
+      <p:grpSpPr>
+        <a:xfrm>
+          <a:off x="0" y="0"/>
+          <a:ext cx="0" cy="0"/>
+          <a:chOff x="0" y="0"/>
+          <a:chExt cx="0" cy="0"/>
+        </a:xfrm>
+      </p:grpSpPr>
+      <p:sp>
+        <p:nvSpPr>
+          <p:cNvPr id="2" name="Title 1">
+            <a:extLst>
+              <a:ext uri="{FF2B5EF4-FFF2-40B4-BE49-F238E27FC236}">
+                <a16:creationId xmlns:a16="http://schemas.microsoft.com/office/drawing/2014/main" id="{7C8B2D3A-C389-46F6-AAAA-A93CBEDB6B10}"/>
+              </a:ext>
+            </a:extLst>
+          </p:cNvPr>
+          <p:cNvSpPr>
+            <a:spLocks noGrp="1"/>
+          </p:cNvSpPr>
+          <p:nvPr>
+            <p:ph type="title"/>
+          </p:nvPr>
+        </p:nvSpPr>
+        <p:spPr/>
+        <p:txBody>
+          <a:bodyPr/>
+          <a:lstStyle/>
+          <a:p>
+            <a:r>
+              <a:rPr lang="en-US" dirty="0"/>
+              <a:t>Features</a:t>
+            </a:r>
+          </a:p>
+        </p:txBody>
+      </p:sp>
+      <p:sp>
+        <p:nvSpPr>
+          <p:cNvPr id="3" name="Content Placeholder 2">
+            <a:extLst>
+              <a:ext uri="{FF2B5EF4-FFF2-40B4-BE49-F238E27FC236}">
+                <a16:creationId xmlns:a16="http://schemas.microsoft.com/office/drawing/2014/main" id="{3C061A52-661E-4391-9AC4-93782D8D91B1}"/>
+              </a:ext>
+            </a:extLst>
+          </p:cNvPr>
+          <p:cNvSpPr>
+            <a:spLocks noGrp="1"/>
+          </p:cNvSpPr>
+          <p:nvPr>
+            <p:ph idx="1"/>
+          </p:nvPr>
+        </p:nvSpPr>
+        <p:spPr/>
+        <p:txBody>
+          <a:bodyPr/>
+          <a:lstStyle/>
+          <a:p>
+            <a:r>
+              <a:rPr lang="en-US" sz="2400" dirty="0"/>
+              <a:t>Object Types</a:t>
+            </a:r>
+            <a:br>
+              <a:rPr lang="en-US" dirty="0"/>
+            </a:br>
+            <a:endParaRPr lang="en-US" dirty="0"/>
+          </a:p>
+          <a:p>
+            <a:endParaRPr lang="en-US" dirty="0"/>
+          </a:p>
+          <a:p>
+            <a:endParaRPr lang="en-US" dirty="0"/>
+          </a:p>
+          <a:p>
+            <a:r>
+              <a:rPr lang="en-US" sz="2000" dirty="0"/>
+              <a:t>Optional Prop:</a:t>
+            </a:r>
+            <a:br>
+              <a:rPr lang="en-US" dirty="0"/>
+            </a:br>
+            <a:endParaRPr lang="en-US" dirty="0"/>
+          </a:p>
+        </p:txBody>
+      </p:sp>
+      <p:pic>
+        <p:nvPicPr>
+          <p:cNvPr id="5" name="Picture 4">
+            <a:extLst>
+              <a:ext uri="{FF2B5EF4-FFF2-40B4-BE49-F238E27FC236}">
+                <a16:creationId xmlns:a16="http://schemas.microsoft.com/office/drawing/2014/main" id="{A8CF2C36-00DD-46A5-B3B0-D98232DC3353}"/>
+              </a:ext>
+            </a:extLst>
+          </p:cNvPr>
+          <p:cNvPicPr>
+            <a:picLocks noChangeAspect="1"/>
+          </p:cNvPicPr>
+          <p:nvPr/>
+        </p:nvPicPr>
+        <p:blipFill>
+          <a:blip r:embed="rId2"/>
+          <a:stretch>
+            <a:fillRect/>
+          </a:stretch>
+        </p:blipFill>
+        <p:spPr>
+          <a:xfrm>
+            <a:off x="611560" y="1819275"/>
+            <a:ext cx="6984776" cy="1184523"/>
+          </a:xfrm>
+          <a:prstGeom prst="rect">
+            <a:avLst/>
+          </a:prstGeom>
+        </p:spPr>
+      </p:pic>
+      <p:pic>
+        <p:nvPicPr>
+          <p:cNvPr id="7" name="Picture 6">
+            <a:extLst>
+              <a:ext uri="{FF2B5EF4-FFF2-40B4-BE49-F238E27FC236}">
+                <a16:creationId xmlns:a16="http://schemas.microsoft.com/office/drawing/2014/main" id="{57EAC72A-75BA-4A67-8BC5-081CF108AC4C}"/>
+              </a:ext>
+            </a:extLst>
+          </p:cNvPr>
+          <p:cNvPicPr>
+            <a:picLocks noChangeAspect="1"/>
+          </p:cNvPicPr>
+          <p:nvPr/>
+        </p:nvPicPr>
+        <p:blipFill>
+          <a:blip r:embed="rId3"/>
+          <a:stretch>
+            <a:fillRect/>
+          </a:stretch>
+        </p:blipFill>
+        <p:spPr>
+          <a:xfrm>
+            <a:off x="539553" y="3633714"/>
+            <a:ext cx="7056784" cy="1386307"/>
+          </a:xfrm>
+          <a:prstGeom prst="rect">
+            <a:avLst/>
+          </a:prstGeom>
+        </p:spPr>
+      </p:pic>
+    </p:spTree>
+    <p:extLst>
+      <p:ext uri="{BB962C8B-B14F-4D97-AF65-F5344CB8AC3E}">
+        <p14:creationId xmlns:p14="http://schemas.microsoft.com/office/powerpoint/2010/main" val="2145296899"/>
+      </p:ext>
+    </p:extLst>
+  </p:cSld>
+  <p:clrMapOvr>
+    <a:masterClrMapping/>
+  </p:clrMapOvr>
+</p:sld>
+</file>
+
+<file path=ppt/slides/slide13.xml><?xml version="1.0" encoding="utf-8"?>
+<p:sld xmlns:a="http://schemas.openxmlformats.org/drawingml/2006/main" xmlns:r="http://schemas.openxmlformats.org/officeDocument/2006/relationships" xmlns:p="http://schemas.openxmlformats.org/presentationml/2006/main">
+  <p:cSld>
+    <p:spTree>
+      <p:nvGrpSpPr>
+        <p:cNvPr id="1" name=""/>
+        <p:cNvGrpSpPr/>
+        <p:nvPr/>
+      </p:nvGrpSpPr>
+      <p:grpSpPr>
+        <a:xfrm>
+          <a:off x="0" y="0"/>
+          <a:ext cx="0" cy="0"/>
+          <a:chOff x="0" y="0"/>
+          <a:chExt cx="0" cy="0"/>
+        </a:xfrm>
+      </p:grpSpPr>
+      <p:sp>
+        <p:nvSpPr>
+          <p:cNvPr id="2" name="Title 1">
+            <a:extLst>
+              <a:ext uri="{FF2B5EF4-FFF2-40B4-BE49-F238E27FC236}">
+                <a16:creationId xmlns:a16="http://schemas.microsoft.com/office/drawing/2014/main" id="{603A6B36-29E7-4F45-8777-E800FE20FE46}"/>
+              </a:ext>
+            </a:extLst>
+          </p:cNvPr>
+          <p:cNvSpPr>
+            <a:spLocks noGrp="1"/>
+          </p:cNvSpPr>
+          <p:nvPr>
+            <p:ph type="title"/>
+          </p:nvPr>
+        </p:nvSpPr>
+        <p:spPr/>
+        <p:txBody>
+          <a:bodyPr/>
+          <a:lstStyle/>
+          <a:p>
+            <a:r>
+              <a:rPr lang="en-US" dirty="0"/>
+              <a:t>Features</a:t>
+            </a:r>
+          </a:p>
+        </p:txBody>
+      </p:sp>
+      <p:sp>
+        <p:nvSpPr>
+          <p:cNvPr id="3" name="Content Placeholder 2">
+            <a:extLst>
+              <a:ext uri="{FF2B5EF4-FFF2-40B4-BE49-F238E27FC236}">
+                <a16:creationId xmlns:a16="http://schemas.microsoft.com/office/drawing/2014/main" id="{022A180D-D16E-4EF7-886D-890C0FAA3899}"/>
+              </a:ext>
+            </a:extLst>
+          </p:cNvPr>
+          <p:cNvSpPr>
+            <a:spLocks noGrp="1"/>
+          </p:cNvSpPr>
+          <p:nvPr>
+            <p:ph idx="1"/>
+          </p:nvPr>
+        </p:nvSpPr>
+        <p:spPr/>
+        <p:txBody>
+          <a:bodyPr/>
+          <a:lstStyle/>
+          <a:p>
+            <a:r>
+              <a:rPr lang="en-US" sz="2000" dirty="0"/>
+              <a:t>Union Types</a:t>
+            </a:r>
+            <a:r>
+              <a:rPr lang="fa-IR" sz="2000" dirty="0"/>
+              <a:t> </a:t>
+            </a:r>
+            <a:r>
+              <a:rPr lang="en-US" sz="2000" dirty="0"/>
+              <a:t>(literal types)</a:t>
+            </a:r>
+            <a:br>
+              <a:rPr lang="en-US" sz="2000" dirty="0"/>
+            </a:br>
+            <a:r>
+              <a:rPr lang="en-US" sz="1800" dirty="0"/>
+              <a:t>TypeScript’s type system allows you to build new types out of existing ones using a large variety of operators. Now that we know how to write a few types, it’s time to start combining them in interesting ways.</a:t>
+            </a:r>
+            <a:br>
+              <a:rPr lang="en-US" sz="1800" dirty="0"/>
+            </a:br>
+            <a:endParaRPr lang="en-US" sz="2000" dirty="0"/>
+          </a:p>
+        </p:txBody>
+      </p:sp>
+      <p:pic>
+        <p:nvPicPr>
+          <p:cNvPr id="5" name="Picture 4">
+            <a:extLst>
+              <a:ext uri="{FF2B5EF4-FFF2-40B4-BE49-F238E27FC236}">
+                <a16:creationId xmlns:a16="http://schemas.microsoft.com/office/drawing/2014/main" id="{E99AD9A2-DC1F-44C5-9855-5DE9558ED413}"/>
+              </a:ext>
+            </a:extLst>
+          </p:cNvPr>
+          <p:cNvPicPr>
+            <a:picLocks noChangeAspect="1"/>
+          </p:cNvPicPr>
+          <p:nvPr/>
+        </p:nvPicPr>
+        <p:blipFill>
+          <a:blip r:embed="rId2"/>
+          <a:stretch>
+            <a:fillRect/>
+          </a:stretch>
+        </p:blipFill>
+        <p:spPr>
+          <a:xfrm>
+            <a:off x="827584" y="2427487"/>
+            <a:ext cx="7632848" cy="2167136"/>
+          </a:xfrm>
+          <a:prstGeom prst="rect">
+            <a:avLst/>
+          </a:prstGeom>
+        </p:spPr>
+      </p:pic>
+    </p:spTree>
+    <p:extLst>
+      <p:ext uri="{BB962C8B-B14F-4D97-AF65-F5344CB8AC3E}">
+        <p14:creationId xmlns:p14="http://schemas.microsoft.com/office/powerpoint/2010/main" val="2437542474"/>
+      </p:ext>
+    </p:extLst>
+  </p:cSld>
+  <p:clrMapOvr>
+    <a:masterClrMapping/>
+  </p:clrMapOvr>
+</p:sld>
+</file>
+
+<file path=ppt/slides/slide14.xml><?xml version="1.0" encoding="utf-8"?>
+<p:sld xmlns:a="http://schemas.openxmlformats.org/drawingml/2006/main" xmlns:r="http://schemas.openxmlformats.org/officeDocument/2006/relationships" xmlns:p="http://schemas.openxmlformats.org/presentationml/2006/main">
+  <p:cSld>
+    <p:spTree>
+      <p:nvGrpSpPr>
+        <p:cNvPr id="1" name=""/>
+        <p:cNvGrpSpPr/>
+        <p:nvPr/>
+      </p:nvGrpSpPr>
+      <p:grpSpPr>
+        <a:xfrm>
+          <a:off x="0" y="0"/>
+          <a:ext cx="0" cy="0"/>
+          <a:chOff x="0" y="0"/>
+          <a:chExt cx="0" cy="0"/>
+        </a:xfrm>
+      </p:grpSpPr>
+      <p:sp>
+        <p:nvSpPr>
+          <p:cNvPr id="2" name="Title 1">
+            <a:extLst>
+              <a:ext uri="{FF2B5EF4-FFF2-40B4-BE49-F238E27FC236}">
+                <a16:creationId xmlns:a16="http://schemas.microsoft.com/office/drawing/2014/main" id="{56BD8193-6A43-40C4-8A7E-54287F66E667}"/>
+              </a:ext>
+            </a:extLst>
+          </p:cNvPr>
+          <p:cNvSpPr>
+            <a:spLocks noGrp="1"/>
+          </p:cNvSpPr>
+          <p:nvPr>
+            <p:ph type="title"/>
+          </p:nvPr>
+        </p:nvSpPr>
+        <p:spPr/>
+        <p:txBody>
+          <a:bodyPr/>
+          <a:lstStyle/>
+          <a:p>
+            <a:r>
+              <a:rPr lang="en-US" dirty="0"/>
+              <a:t>Features</a:t>
+            </a:r>
+          </a:p>
+        </p:txBody>
+      </p:sp>
+      <p:sp>
+        <p:nvSpPr>
+          <p:cNvPr id="3" name="Content Placeholder 2">
+            <a:extLst>
+              <a:ext uri="{FF2B5EF4-FFF2-40B4-BE49-F238E27FC236}">
+                <a16:creationId xmlns:a16="http://schemas.microsoft.com/office/drawing/2014/main" id="{CC1A9987-AE53-45EB-8249-3F76B71DA8B8}"/>
+              </a:ext>
+            </a:extLst>
+          </p:cNvPr>
+          <p:cNvSpPr>
+            <a:spLocks noGrp="1"/>
+          </p:cNvSpPr>
+          <p:nvPr>
+            <p:ph idx="1"/>
+          </p:nvPr>
+        </p:nvSpPr>
+        <p:spPr/>
+        <p:txBody>
+          <a:bodyPr/>
+          <a:lstStyle/>
+          <a:p>
+            <a:r>
+              <a:rPr lang="en-US" sz="2000" dirty="0"/>
+              <a:t>Type Aliases:</a:t>
+            </a:r>
+            <a:br>
+              <a:rPr lang="en-US" dirty="0"/>
+            </a:br>
+            <a:r>
+              <a:rPr lang="en-US" sz="1600" dirty="0"/>
+              <a:t>We’ve been using object types and union types by writing them directly in type annotations. This is convenient, but it’s common to want to use the same type more than once and refer to it by a single name.</a:t>
+            </a:r>
+            <a:br>
+              <a:rPr lang="en-US" sz="1600" dirty="0"/>
+            </a:br>
+            <a:r>
+              <a:rPr lang="en-US" sz="1600" dirty="0"/>
+              <a:t>A type alias is exactly that - a name for any type. The syntax for a type alias is:</a:t>
+            </a:r>
+            <a:endParaRPr lang="en-US" dirty="0"/>
+          </a:p>
+        </p:txBody>
+      </p:sp>
+      <p:pic>
+        <p:nvPicPr>
+          <p:cNvPr id="5" name="Picture 4">
+            <a:extLst>
+              <a:ext uri="{FF2B5EF4-FFF2-40B4-BE49-F238E27FC236}">
+                <a16:creationId xmlns:a16="http://schemas.microsoft.com/office/drawing/2014/main" id="{8882BA20-B940-4697-BA56-52FC0B23ED71}"/>
+              </a:ext>
+            </a:extLst>
+          </p:cNvPr>
+          <p:cNvPicPr>
+            <a:picLocks noChangeAspect="1"/>
+          </p:cNvPicPr>
+          <p:nvPr/>
+        </p:nvPicPr>
+        <p:blipFill>
+          <a:blip r:embed="rId2"/>
+          <a:stretch>
+            <a:fillRect/>
+          </a:stretch>
+        </p:blipFill>
+        <p:spPr>
+          <a:xfrm>
+            <a:off x="899592" y="2643758"/>
+            <a:ext cx="4914900" cy="2266550"/>
+          </a:xfrm>
+          <a:prstGeom prst="rect">
+            <a:avLst/>
+          </a:prstGeom>
+        </p:spPr>
+      </p:pic>
+    </p:spTree>
+    <p:extLst>
+      <p:ext uri="{BB962C8B-B14F-4D97-AF65-F5344CB8AC3E}">
+        <p14:creationId xmlns:p14="http://schemas.microsoft.com/office/powerpoint/2010/main" val="752804206"/>
+      </p:ext>
+    </p:extLst>
+  </p:cSld>
+  <p:clrMapOvr>
+    <a:masterClrMapping/>
+  </p:clrMapOvr>
+</p:sld>
+</file>
+
+<file path=ppt/slides/slide15.xml><?xml version="1.0" encoding="utf-8"?>
+<p:sld xmlns:a="http://schemas.openxmlformats.org/drawingml/2006/main" xmlns:r="http://schemas.openxmlformats.org/officeDocument/2006/relationships" xmlns:p="http://schemas.openxmlformats.org/presentationml/2006/main">
+  <p:cSld>
+    <p:spTree>
+      <p:nvGrpSpPr>
+        <p:cNvPr id="1" name=""/>
+        <p:cNvGrpSpPr/>
+        <p:nvPr/>
+      </p:nvGrpSpPr>
+      <p:grpSpPr>
+        <a:xfrm>
+          <a:off x="0" y="0"/>
+          <a:ext cx="0" cy="0"/>
+          <a:chOff x="0" y="0"/>
+          <a:chExt cx="0" cy="0"/>
+        </a:xfrm>
+      </p:grpSpPr>
+      <p:sp>
+        <p:nvSpPr>
+          <p:cNvPr id="2" name="Title 1">
+            <a:extLst>
+              <a:ext uri="{FF2B5EF4-FFF2-40B4-BE49-F238E27FC236}">
+                <a16:creationId xmlns:a16="http://schemas.microsoft.com/office/drawing/2014/main" id="{674E4D11-BD03-4FE1-B39F-2A75FFB4A19B}"/>
+              </a:ext>
+            </a:extLst>
+          </p:cNvPr>
+          <p:cNvSpPr>
+            <a:spLocks noGrp="1"/>
+          </p:cNvSpPr>
+          <p:nvPr>
+            <p:ph type="title"/>
+          </p:nvPr>
+        </p:nvSpPr>
+        <p:spPr/>
+        <p:txBody>
+          <a:bodyPr/>
+          <a:lstStyle/>
+          <a:p>
+            <a:r>
+              <a:rPr lang="en-US" dirty="0"/>
+              <a:t>Features</a:t>
+            </a:r>
+          </a:p>
+        </p:txBody>
+      </p:sp>
+      <p:sp>
+        <p:nvSpPr>
+          <p:cNvPr id="3" name="Content Placeholder 2">
+            <a:extLst>
+              <a:ext uri="{FF2B5EF4-FFF2-40B4-BE49-F238E27FC236}">
+                <a16:creationId xmlns:a16="http://schemas.microsoft.com/office/drawing/2014/main" id="{69413518-5FFE-4CBE-AA72-DF06818A4C7D}"/>
+              </a:ext>
+            </a:extLst>
+          </p:cNvPr>
+          <p:cNvSpPr>
+            <a:spLocks noGrp="1"/>
+          </p:cNvSpPr>
+          <p:nvPr>
+            <p:ph idx="1"/>
+          </p:nvPr>
+        </p:nvSpPr>
+        <p:spPr/>
+        <p:txBody>
+          <a:bodyPr/>
+          <a:lstStyle/>
+          <a:p>
+            <a:r>
+              <a:rPr lang="en-US" sz="2400" dirty="0"/>
+              <a:t>Interface</a:t>
+            </a:r>
+          </a:p>
+          <a:p>
+            <a:r>
+              <a:rPr lang="en-US" sz="1800" dirty="0"/>
+              <a:t>An interface </a:t>
+            </a:r>
+            <a:r>
+              <a:rPr lang="en-US" sz="1800" dirty="0" err="1"/>
+              <a:t>declarati</a:t>
+            </a:r>
+            <a:br>
+              <a:rPr lang="en-US" sz="1800" dirty="0"/>
+            </a:br>
+            <a:r>
+              <a:rPr lang="en-US" sz="1800" dirty="0"/>
+              <a:t>on is another way to name an object type</a:t>
+            </a:r>
+            <a:endParaRPr lang="en-US" sz="2400" dirty="0"/>
+          </a:p>
+        </p:txBody>
+      </p:sp>
+      <p:pic>
+        <p:nvPicPr>
+          <p:cNvPr id="5" name="Picture 4">
+            <a:extLst>
+              <a:ext uri="{FF2B5EF4-FFF2-40B4-BE49-F238E27FC236}">
+                <a16:creationId xmlns:a16="http://schemas.microsoft.com/office/drawing/2014/main" id="{37B140F6-DABD-42CF-B624-CD400140E693}"/>
+              </a:ext>
+            </a:extLst>
+          </p:cNvPr>
+          <p:cNvPicPr>
+            <a:picLocks noChangeAspect="1"/>
+          </p:cNvPicPr>
+          <p:nvPr/>
+        </p:nvPicPr>
+        <p:blipFill>
+          <a:blip r:embed="rId2"/>
+          <a:stretch>
+            <a:fillRect/>
+          </a:stretch>
+        </p:blipFill>
+        <p:spPr>
+          <a:xfrm>
+            <a:off x="485780" y="2355726"/>
+            <a:ext cx="7830254" cy="2310905"/>
+          </a:xfrm>
+          <a:prstGeom prst="rect">
+            <a:avLst/>
+          </a:prstGeom>
+        </p:spPr>
+      </p:pic>
+    </p:spTree>
+    <p:extLst>
+      <p:ext uri="{BB962C8B-B14F-4D97-AF65-F5344CB8AC3E}">
+        <p14:creationId xmlns:p14="http://schemas.microsoft.com/office/powerpoint/2010/main" val="1330079367"/>
+      </p:ext>
+    </p:extLst>
+  </p:cSld>
+  <p:clrMapOvr>
+    <a:masterClrMapping/>
+  </p:clrMapOvr>
+</p:sld>
+</file>
+
+<file path=ppt/slides/slide16.xml><?xml version="1.0" encoding="utf-8"?>
+<p:sld xmlns:a="http://schemas.openxmlformats.org/drawingml/2006/main" xmlns:r="http://schemas.openxmlformats.org/officeDocument/2006/relationships" xmlns:p="http://schemas.openxmlformats.org/presentationml/2006/main">
+  <p:cSld>
+    <p:spTree>
+      <p:nvGrpSpPr>
+        <p:cNvPr id="1" name=""/>
+        <p:cNvGrpSpPr/>
+        <p:nvPr/>
+      </p:nvGrpSpPr>
+      <p:grpSpPr>
+        <a:xfrm>
+          <a:off x="0" y="0"/>
+          <a:ext cx="0" cy="0"/>
+          <a:chOff x="0" y="0"/>
+          <a:chExt cx="0" cy="0"/>
+        </a:xfrm>
+      </p:grpSpPr>
+      <p:sp>
+        <p:nvSpPr>
+          <p:cNvPr id="2" name="Title 1">
+            <a:extLst>
+              <a:ext uri="{FF2B5EF4-FFF2-40B4-BE49-F238E27FC236}">
+                <a16:creationId xmlns:a16="http://schemas.microsoft.com/office/drawing/2014/main" id="{31024D90-2842-480D-A54B-DD3C61565A66}"/>
+              </a:ext>
+            </a:extLst>
+          </p:cNvPr>
+          <p:cNvSpPr>
+            <a:spLocks noGrp="1"/>
+          </p:cNvSpPr>
+          <p:nvPr>
+            <p:ph type="title"/>
+          </p:nvPr>
+        </p:nvSpPr>
+        <p:spPr/>
+        <p:txBody>
+          <a:bodyPr/>
+          <a:lstStyle/>
+          <a:p>
+            <a:r>
+              <a:rPr lang="en-US" sz="3200" b="0" i="0" dirty="0">
+                <a:effectLst/>
+                <a:latin typeface="Segoe UI Web (West European)"/>
+              </a:rPr>
+              <a:t>Hot Discussion</a:t>
+            </a:r>
+            <a:endParaRPr lang="en-US" sz="3200" dirty="0"/>
+          </a:p>
+        </p:txBody>
+      </p:sp>
+      <p:sp>
+        <p:nvSpPr>
+          <p:cNvPr id="3" name="Content Placeholder 2">
+            <a:extLst>
+              <a:ext uri="{FF2B5EF4-FFF2-40B4-BE49-F238E27FC236}">
+                <a16:creationId xmlns:a16="http://schemas.microsoft.com/office/drawing/2014/main" id="{BA6224F9-C8D9-427D-B34A-8B605B61A69A}"/>
+              </a:ext>
+            </a:extLst>
+          </p:cNvPr>
+          <p:cNvSpPr>
+            <a:spLocks noGrp="1"/>
+          </p:cNvSpPr>
+          <p:nvPr>
+            <p:ph idx="1"/>
+          </p:nvPr>
+        </p:nvSpPr>
+        <p:spPr/>
+        <p:txBody>
+          <a:bodyPr/>
+          <a:lstStyle/>
+          <a:p>
+            <a:r>
+              <a:rPr lang="en-US" sz="2000" b="0" i="0" dirty="0">
+                <a:effectLst/>
+                <a:latin typeface="Segoe UI Web (West European)"/>
+              </a:rPr>
+              <a:t>Differences Between Type Aliases and Interfaces</a:t>
+            </a:r>
+          </a:p>
+          <a:p>
+            <a:pPr marL="0" indent="0">
+              <a:buNone/>
+            </a:pPr>
+            <a:r>
+              <a:rPr lang="en-US" sz="1800" b="0" i="0" dirty="0">
+                <a:effectLst/>
+                <a:latin typeface="Segoe UI Web (West European)"/>
+              </a:rPr>
+              <a:t>the key distinction is that a type cannot be re-opened to add new properties vs an interface which is always extendable.</a:t>
+            </a:r>
+          </a:p>
+          <a:p>
+            <a:pPr marL="0" indent="0">
+              <a:buNone/>
+            </a:pPr>
+            <a:endParaRPr lang="en-US" dirty="0"/>
+          </a:p>
+        </p:txBody>
+      </p:sp>
+      <p:pic>
+        <p:nvPicPr>
+          <p:cNvPr id="5" name="Picture 4">
+            <a:extLst>
+              <a:ext uri="{FF2B5EF4-FFF2-40B4-BE49-F238E27FC236}">
+                <a16:creationId xmlns:a16="http://schemas.microsoft.com/office/drawing/2014/main" id="{3E4C4C5C-4647-4C77-9D63-261037A26A95}"/>
+              </a:ext>
+            </a:extLst>
+          </p:cNvPr>
+          <p:cNvPicPr>
+            <a:picLocks noChangeAspect="1"/>
+          </p:cNvPicPr>
+          <p:nvPr/>
+        </p:nvPicPr>
+        <p:blipFill>
+          <a:blip r:embed="rId2"/>
+          <a:stretch>
+            <a:fillRect/>
+          </a:stretch>
+        </p:blipFill>
+        <p:spPr>
+          <a:xfrm>
+            <a:off x="539552" y="2211710"/>
+            <a:ext cx="6610127" cy="2592288"/>
+          </a:xfrm>
+          <a:prstGeom prst="rect">
+            <a:avLst/>
+          </a:prstGeom>
+        </p:spPr>
+      </p:pic>
+    </p:spTree>
+    <p:extLst>
+      <p:ext uri="{BB962C8B-B14F-4D97-AF65-F5344CB8AC3E}">
+        <p14:creationId xmlns:p14="http://schemas.microsoft.com/office/powerpoint/2010/main" val="289611914"/>
+      </p:ext>
+    </p:extLst>
+  </p:cSld>
+  <p:clrMapOvr>
+    <a:masterClrMapping/>
+  </p:clrMapOvr>
+</p:sld>
+</file>
+
+<file path=ppt/slides/slide17.xml><?xml version="1.0" encoding="utf-8"?>
+<p:sld xmlns:a="http://schemas.openxmlformats.org/drawingml/2006/main" xmlns:r="http://schemas.openxmlformats.org/officeDocument/2006/relationships" xmlns:p="http://schemas.openxmlformats.org/presentationml/2006/main">
+  <p:cSld>
+    <p:spTree>
+      <p:nvGrpSpPr>
+        <p:cNvPr id="1" name=""/>
+        <p:cNvGrpSpPr/>
+        <p:nvPr/>
+      </p:nvGrpSpPr>
+      <p:grpSpPr>
+        <a:xfrm>
+          <a:off x="0" y="0"/>
+          <a:ext cx="0" cy="0"/>
+          <a:chOff x="0" y="0"/>
+          <a:chExt cx="0" cy="0"/>
+        </a:xfrm>
+      </p:grpSpPr>
+      <p:sp>
+        <p:nvSpPr>
+          <p:cNvPr id="2" name="Title 1">
+            <a:extLst>
+              <a:ext uri="{FF2B5EF4-FFF2-40B4-BE49-F238E27FC236}">
+                <a16:creationId xmlns:a16="http://schemas.microsoft.com/office/drawing/2014/main" id="{1E52B62E-15B5-4FBA-8FE7-56B8BD0EB4C7}"/>
+              </a:ext>
+            </a:extLst>
+          </p:cNvPr>
+          <p:cNvSpPr>
+            <a:spLocks noGrp="1"/>
+          </p:cNvSpPr>
+          <p:nvPr>
+            <p:ph type="title"/>
+          </p:nvPr>
+        </p:nvSpPr>
+        <p:spPr>
+          <a:xfrm>
+            <a:off x="457201" y="204787"/>
+            <a:ext cx="7843192" cy="566763"/>
+          </a:xfrm>
+        </p:spPr>
+        <p:txBody>
+          <a:bodyPr/>
+          <a:lstStyle/>
+          <a:p>
+            <a:r>
+              <a:rPr lang="en-US" sz="3600" b="0" i="0" dirty="0">
+                <a:effectLst/>
+                <a:latin typeface="Segoe UI Web (West European)"/>
+              </a:rPr>
+              <a:t>Hot Discussion</a:t>
+            </a:r>
+            <a:endParaRPr lang="en-US" dirty="0"/>
+          </a:p>
+        </p:txBody>
+      </p:sp>
+      <p:pic>
+        <p:nvPicPr>
+          <p:cNvPr id="5" name="Content Placeholder 4">
+            <a:extLst>
+              <a:ext uri="{FF2B5EF4-FFF2-40B4-BE49-F238E27FC236}">
+                <a16:creationId xmlns:a16="http://schemas.microsoft.com/office/drawing/2014/main" id="{48A5DFD6-CF22-4034-A279-3417EEFA9783}"/>
+              </a:ext>
+            </a:extLst>
+          </p:cNvPr>
+          <p:cNvPicPr>
+            <a:picLocks noGrp="1" noChangeAspect="1"/>
+          </p:cNvPicPr>
+          <p:nvPr>
+            <p:ph idx="1"/>
+          </p:nvPr>
+        </p:nvPicPr>
+        <p:blipFill>
+          <a:blip r:embed="rId3"/>
+          <a:stretch>
+            <a:fillRect/>
+          </a:stretch>
+        </p:blipFill>
+        <p:spPr>
+          <a:xfrm>
+            <a:off x="457201" y="771550"/>
+            <a:ext cx="3754759" cy="3960439"/>
+          </a:xfrm>
+        </p:spPr>
+      </p:pic>
+      <p:sp>
+        <p:nvSpPr>
+          <p:cNvPr id="6" name="Text Placeholder 5">
+            <a:extLst>
+              <a:ext uri="{FF2B5EF4-FFF2-40B4-BE49-F238E27FC236}">
+                <a16:creationId xmlns:a16="http://schemas.microsoft.com/office/drawing/2014/main" id="{E065B838-A3A5-422C-AC8F-4A913F885D9F}"/>
+              </a:ext>
+            </a:extLst>
+          </p:cNvPr>
+          <p:cNvSpPr>
+            <a:spLocks noGrp="1"/>
+          </p:cNvSpPr>
+          <p:nvPr>
+            <p:ph type="body" sz="half" idx="2"/>
+          </p:nvPr>
+        </p:nvSpPr>
+        <p:spPr>
+          <a:xfrm>
+            <a:off x="4355976" y="771550"/>
+            <a:ext cx="3944417" cy="4104456"/>
+          </a:xfrm>
+        </p:spPr>
+        <p:txBody>
+          <a:bodyPr/>
+          <a:lstStyle/>
+          <a:p>
+            <a:pPr marL="285750" indent="-285750">
+              <a:buFontTx/>
+              <a:buChar char="-"/>
+            </a:pPr>
+            <a:r>
+              <a:rPr lang="en-US" sz="1600" dirty="0">
+                <a:solidFill>
+                  <a:srgbClr val="C00000"/>
+                </a:solidFill>
+              </a:rPr>
+              <a:t>consider using type for your React Component Props and State, for consistency and because it is more constrained.</a:t>
+            </a:r>
+          </a:p>
+          <a:p>
+            <a:pPr marL="285750" indent="-285750">
+              <a:buFontTx/>
+              <a:buChar char="-"/>
+            </a:pPr>
+            <a:r>
+              <a:rPr lang="en-US" sz="1600" dirty="0">
+                <a:solidFill>
+                  <a:schemeClr val="accent1">
+                    <a:lumMod val="75000"/>
+                  </a:schemeClr>
+                </a:solidFill>
+              </a:rPr>
+              <a:t>always use interface for public API's definition when authoring a library or 3rd party ambient type definitions, as this allows a consumer to extend them via declaration merging if some definitions are missing.</a:t>
+            </a:r>
+            <a:endParaRPr lang="en-US" sz="1600" dirty="0">
+              <a:solidFill>
+                <a:srgbClr val="C00000"/>
+              </a:solidFill>
+            </a:endParaRPr>
+          </a:p>
+          <a:p>
+            <a:pPr marL="285750" indent="-285750">
+              <a:buFontTx/>
+              <a:buChar char="-"/>
+            </a:pPr>
+            <a:r>
+              <a:rPr lang="en-US" sz="1600" dirty="0">
+                <a:solidFill>
+                  <a:srgbClr val="C00000"/>
+                </a:solidFill>
+              </a:rPr>
+              <a:t>Types are useful for union types (e.g. type </a:t>
+            </a:r>
+            <a:r>
+              <a:rPr lang="en-US" sz="1600" dirty="0" err="1">
+                <a:solidFill>
+                  <a:srgbClr val="C00000"/>
+                </a:solidFill>
+              </a:rPr>
+              <a:t>MyType</a:t>
+            </a:r>
+            <a:r>
+              <a:rPr lang="en-US" sz="1600" dirty="0">
+                <a:solidFill>
+                  <a:srgbClr val="C00000"/>
+                </a:solidFill>
+              </a:rPr>
+              <a:t> = </a:t>
+            </a:r>
+            <a:r>
+              <a:rPr lang="en-US" sz="1600" dirty="0" err="1">
+                <a:solidFill>
+                  <a:srgbClr val="C00000"/>
+                </a:solidFill>
+              </a:rPr>
+              <a:t>TypeA</a:t>
+            </a:r>
+            <a:r>
+              <a:rPr lang="en-US" sz="1600" dirty="0">
+                <a:solidFill>
+                  <a:srgbClr val="C00000"/>
+                </a:solidFill>
+              </a:rPr>
+              <a:t> | </a:t>
+            </a:r>
+            <a:r>
+              <a:rPr lang="en-US" sz="1600" dirty="0" err="1">
+                <a:solidFill>
+                  <a:srgbClr val="C00000"/>
+                </a:solidFill>
+              </a:rPr>
+              <a:t>TypeB</a:t>
+            </a:r>
+            <a:r>
+              <a:rPr lang="en-US" sz="1600" dirty="0">
+                <a:solidFill>
+                  <a:srgbClr val="C00000"/>
+                </a:solidFill>
+              </a:rPr>
+              <a:t>)</a:t>
+            </a:r>
+            <a:r>
+              <a:rPr lang="en-US" sz="1600" dirty="0"/>
+              <a:t> </a:t>
+            </a:r>
+            <a:r>
+              <a:rPr lang="en-US" sz="1600" dirty="0">
+                <a:solidFill>
+                  <a:schemeClr val="tx2"/>
+                </a:solidFill>
+              </a:rPr>
+              <a:t>whereas Interfaces are better for declaring dictionary shapes and then implementing or extending them.</a:t>
+            </a:r>
+          </a:p>
+        </p:txBody>
+      </p:sp>
+    </p:spTree>
+    <p:extLst>
+      <p:ext uri="{BB962C8B-B14F-4D97-AF65-F5344CB8AC3E}">
+        <p14:creationId xmlns:p14="http://schemas.microsoft.com/office/powerpoint/2010/main" val="3176603483"/>
+      </p:ext>
+    </p:extLst>
+  </p:cSld>
+  <p:clrMapOvr>
+    <a:masterClrMapping/>
+  </p:clrMapOvr>
+</p:sld>
+</file>
+
+<file path=ppt/slides/slide18.xml><?xml version="1.0" encoding="utf-8"?>
+<p:sld xmlns:a="http://schemas.openxmlformats.org/drawingml/2006/main" xmlns:r="http://schemas.openxmlformats.org/officeDocument/2006/relationships" xmlns:p="http://schemas.openxmlformats.org/presentationml/2006/main">
+  <p:cSld>
+    <p:spTree>
+      <p:nvGrpSpPr>
+        <p:cNvPr id="1" name=""/>
+        <p:cNvGrpSpPr/>
+        <p:nvPr/>
+      </p:nvGrpSpPr>
+      <p:grpSpPr>
+        <a:xfrm>
+          <a:off x="0" y="0"/>
+          <a:ext cx="0" cy="0"/>
+          <a:chOff x="0" y="0"/>
+          <a:chExt cx="0" cy="0"/>
+        </a:xfrm>
+      </p:grpSpPr>
+      <p:sp>
+        <p:nvSpPr>
+          <p:cNvPr id="5" name="Title 4">
+            <a:extLst>
+              <a:ext uri="{FF2B5EF4-FFF2-40B4-BE49-F238E27FC236}">
+                <a16:creationId xmlns:a16="http://schemas.microsoft.com/office/drawing/2014/main" id="{328D9888-A561-4D15-BEE7-5D4B7D15337F}"/>
+              </a:ext>
+            </a:extLst>
+          </p:cNvPr>
+          <p:cNvSpPr>
+            <a:spLocks noGrp="1"/>
+          </p:cNvSpPr>
+          <p:nvPr>
+            <p:ph type="title"/>
+          </p:nvPr>
+        </p:nvSpPr>
+        <p:spPr/>
+        <p:txBody>
+          <a:bodyPr/>
+          <a:lstStyle/>
+          <a:p>
+            <a:r>
+              <a:rPr lang="en-US" dirty="0"/>
+              <a:t>Type Assertions</a:t>
+            </a:r>
+          </a:p>
+        </p:txBody>
+      </p:sp>
+      <p:sp>
+        <p:nvSpPr>
+          <p:cNvPr id="10" name="Content Placeholder 9">
+            <a:extLst>
+              <a:ext uri="{FF2B5EF4-FFF2-40B4-BE49-F238E27FC236}">
+                <a16:creationId xmlns:a16="http://schemas.microsoft.com/office/drawing/2014/main" id="{32830648-8A2B-423D-A8DB-0119658D3596}"/>
+              </a:ext>
+            </a:extLst>
+          </p:cNvPr>
+          <p:cNvSpPr>
+            <a:spLocks noGrp="1"/>
+          </p:cNvSpPr>
+          <p:nvPr>
+            <p:ph idx="1"/>
+          </p:nvPr>
+        </p:nvSpPr>
+        <p:spPr>
+          <a:xfrm>
+            <a:off x="457200" y="884466"/>
+            <a:ext cx="8229600" cy="3710157"/>
+          </a:xfrm>
+        </p:spPr>
+        <p:txBody>
+          <a:bodyPr/>
+          <a:lstStyle/>
+          <a:p>
+            <a:r>
+              <a:rPr lang="en-US" sz="1800" dirty="0"/>
+              <a:t>Sometimes you will have information about the type of a value that TypeScript can’t know about. For example, if you’re using </a:t>
+            </a:r>
+            <a:r>
+              <a:rPr lang="en-US" sz="1800" dirty="0" err="1"/>
+              <a:t>document.getElementById</a:t>
+            </a:r>
+            <a:r>
+              <a:rPr lang="en-US" sz="1800" dirty="0"/>
+              <a:t>, TypeScript only knows that this will return some kind of </a:t>
+            </a:r>
+            <a:r>
+              <a:rPr lang="en-US" sz="1800" dirty="0" err="1"/>
+              <a:t>HTMLElement</a:t>
+            </a:r>
+            <a:r>
+              <a:rPr lang="en-US" sz="1800" dirty="0"/>
+              <a:t>, but you might know that your page will always have an </a:t>
+            </a:r>
+            <a:r>
+              <a:rPr lang="en-US" sz="1800" dirty="0" err="1"/>
+              <a:t>HTMLCanvasElement</a:t>
+            </a:r>
+            <a:r>
+              <a:rPr lang="en-US" sz="1800" dirty="0"/>
+              <a:t> with a given ID.</a:t>
+            </a:r>
+            <a:endParaRPr lang="fa-IR" sz="1800" dirty="0"/>
+          </a:p>
+          <a:p>
+            <a:r>
+              <a:rPr lang="en-US" sz="1800" dirty="0"/>
+              <a:t>In this situation, you can use a type assertion to specify a more specific type:</a:t>
+            </a:r>
+            <a:endParaRPr lang="fa-IR" sz="1800" dirty="0"/>
+          </a:p>
+          <a:p>
+            <a:endParaRPr lang="en-US" sz="1800" dirty="0"/>
+          </a:p>
+        </p:txBody>
+      </p:sp>
+      <p:pic>
+        <p:nvPicPr>
+          <p:cNvPr id="12" name="Picture 11">
+            <a:extLst>
+              <a:ext uri="{FF2B5EF4-FFF2-40B4-BE49-F238E27FC236}">
+                <a16:creationId xmlns:a16="http://schemas.microsoft.com/office/drawing/2014/main" id="{23067EEA-69E1-43FC-A9D7-90BFC6F1D8B4}"/>
+              </a:ext>
+            </a:extLst>
+          </p:cNvPr>
+          <p:cNvPicPr>
+            <a:picLocks noChangeAspect="1"/>
+          </p:cNvPicPr>
+          <p:nvPr/>
+        </p:nvPicPr>
+        <p:blipFill>
+          <a:blip r:embed="rId2"/>
+          <a:stretch>
+            <a:fillRect/>
+          </a:stretch>
+        </p:blipFill>
+        <p:spPr>
+          <a:xfrm>
+            <a:off x="611561" y="3147814"/>
+            <a:ext cx="8075240" cy="609600"/>
+          </a:xfrm>
+          <a:prstGeom prst="rect">
+            <a:avLst/>
+          </a:prstGeom>
+        </p:spPr>
+      </p:pic>
+    </p:spTree>
+    <p:extLst>
+      <p:ext uri="{BB962C8B-B14F-4D97-AF65-F5344CB8AC3E}">
+        <p14:creationId xmlns:p14="http://schemas.microsoft.com/office/powerpoint/2010/main" val="2452227065"/>
+      </p:ext>
+    </p:extLst>
+  </p:cSld>
+  <p:clrMapOvr>
+    <a:masterClrMapping/>
+  </p:clrMapOvr>
+</p:sld>
+</file>
+
+<file path=ppt/slides/slide19.xml><?xml version="1.0" encoding="utf-8"?>
+<p:sld xmlns:a="http://schemas.openxmlformats.org/drawingml/2006/main" xmlns:r="http://schemas.openxmlformats.org/officeDocument/2006/relationships" xmlns:p="http://schemas.openxmlformats.org/presentationml/2006/main">
+  <p:cSld>
+    <p:spTree>
+      <p:nvGrpSpPr>
+        <p:cNvPr id="1" name=""/>
+        <p:cNvGrpSpPr/>
+        <p:nvPr/>
+      </p:nvGrpSpPr>
+      <p:grpSpPr>
+        <a:xfrm>
+          <a:off x="0" y="0"/>
+          <a:ext cx="0" cy="0"/>
+          <a:chOff x="0" y="0"/>
+          <a:chExt cx="0" cy="0"/>
+        </a:xfrm>
+      </p:grpSpPr>
+      <p:sp>
+        <p:nvSpPr>
+          <p:cNvPr id="2" name="Title 1">
+            <a:extLst>
+              <a:ext uri="{FF2B5EF4-FFF2-40B4-BE49-F238E27FC236}">
+                <a16:creationId xmlns:a16="http://schemas.microsoft.com/office/drawing/2014/main" id="{0278B174-8E90-4561-B981-1F42C014B08B}"/>
+              </a:ext>
+            </a:extLst>
+          </p:cNvPr>
+          <p:cNvSpPr>
+            <a:spLocks noGrp="1"/>
+          </p:cNvSpPr>
+          <p:nvPr>
+            <p:ph type="title"/>
+          </p:nvPr>
+        </p:nvSpPr>
+        <p:spPr/>
+        <p:txBody>
+          <a:bodyPr/>
+          <a:lstStyle/>
+          <a:p>
+            <a:r>
+              <a:rPr lang="en-US" dirty="0"/>
+              <a:t>Less </a:t>
+            </a:r>
+            <a:r>
+              <a:rPr lang="en-US" dirty="0" err="1"/>
+              <a:t>CommonTypes</a:t>
+            </a:r>
+            <a:endParaRPr lang="en-US" dirty="0"/>
+          </a:p>
+        </p:txBody>
+      </p:sp>
+      <p:sp>
+        <p:nvSpPr>
+          <p:cNvPr id="3" name="Content Placeholder 2">
+            <a:extLst>
+              <a:ext uri="{FF2B5EF4-FFF2-40B4-BE49-F238E27FC236}">
+                <a16:creationId xmlns:a16="http://schemas.microsoft.com/office/drawing/2014/main" id="{6A2368D7-BDC6-44D4-9431-B53D985D450E}"/>
+              </a:ext>
+            </a:extLst>
+          </p:cNvPr>
+          <p:cNvSpPr>
+            <a:spLocks noGrp="1"/>
+          </p:cNvSpPr>
+          <p:nvPr>
+            <p:ph idx="1"/>
+          </p:nvPr>
+        </p:nvSpPr>
+        <p:spPr/>
+        <p:txBody>
+          <a:bodyPr/>
+          <a:lstStyle/>
+          <a:p>
+            <a:r>
+              <a:rPr lang="en-US" sz="2400" dirty="0"/>
+              <a:t>Enum:</a:t>
+            </a:r>
+          </a:p>
+          <a:p>
+            <a:endParaRPr lang="en-US" sz="2400" dirty="0"/>
+          </a:p>
+          <a:p>
+            <a:endParaRPr lang="en-US" sz="2400" dirty="0"/>
+          </a:p>
+          <a:p>
+            <a:endParaRPr lang="en-US" sz="2400" dirty="0"/>
+          </a:p>
+          <a:p>
+            <a:r>
+              <a:rPr lang="en-US" sz="2400" dirty="0" err="1"/>
+              <a:t>Biginit</a:t>
+            </a:r>
+            <a:br>
+              <a:rPr lang="en-US" sz="2400" dirty="0"/>
+            </a:br>
+            <a:endParaRPr lang="en-US" sz="2400" dirty="0"/>
+          </a:p>
+          <a:p>
+            <a:endParaRPr lang="en-US" sz="2400" dirty="0"/>
+          </a:p>
+          <a:p>
+            <a:r>
+              <a:rPr lang="en-US" sz="2400" dirty="0"/>
+              <a:t>Symbol</a:t>
+            </a:r>
+            <a:br>
+              <a:rPr lang="en-US" dirty="0"/>
+            </a:br>
+            <a:endParaRPr lang="en-US" dirty="0"/>
+          </a:p>
+        </p:txBody>
+      </p:sp>
+      <p:pic>
+        <p:nvPicPr>
+          <p:cNvPr id="5" name="Picture 4">
+            <a:extLst>
+              <a:ext uri="{FF2B5EF4-FFF2-40B4-BE49-F238E27FC236}">
+                <a16:creationId xmlns:a16="http://schemas.microsoft.com/office/drawing/2014/main" id="{55C00BBA-BC23-4C69-939A-9833D97435E2}"/>
+              </a:ext>
+            </a:extLst>
+          </p:cNvPr>
+          <p:cNvPicPr>
+            <a:picLocks noChangeAspect="1"/>
+          </p:cNvPicPr>
+          <p:nvPr/>
+        </p:nvPicPr>
+        <p:blipFill>
+          <a:blip r:embed="rId2"/>
+          <a:stretch>
+            <a:fillRect/>
+          </a:stretch>
+        </p:blipFill>
+        <p:spPr>
+          <a:xfrm>
+            <a:off x="2709317" y="1000366"/>
+            <a:ext cx="4978896" cy="1227956"/>
+          </a:xfrm>
+          <a:prstGeom prst="rect">
+            <a:avLst/>
+          </a:prstGeom>
+        </p:spPr>
+      </p:pic>
+      <p:pic>
+        <p:nvPicPr>
+          <p:cNvPr id="7" name="Picture 6">
+            <a:extLst>
+              <a:ext uri="{FF2B5EF4-FFF2-40B4-BE49-F238E27FC236}">
+                <a16:creationId xmlns:a16="http://schemas.microsoft.com/office/drawing/2014/main" id="{179AFCBD-B4B6-47EA-8E8D-C837E5FE0F04}"/>
+              </a:ext>
+            </a:extLst>
+          </p:cNvPr>
+          <p:cNvPicPr>
+            <a:picLocks noChangeAspect="1"/>
+          </p:cNvPicPr>
+          <p:nvPr/>
+        </p:nvPicPr>
+        <p:blipFill>
+          <a:blip r:embed="rId3"/>
+          <a:stretch>
+            <a:fillRect/>
+          </a:stretch>
+        </p:blipFill>
+        <p:spPr>
+          <a:xfrm>
+            <a:off x="2709317" y="2428107"/>
+            <a:ext cx="4978896" cy="1333500"/>
+          </a:xfrm>
+          <a:prstGeom prst="rect">
+            <a:avLst/>
+          </a:prstGeom>
+        </p:spPr>
+      </p:pic>
+      <p:pic>
+        <p:nvPicPr>
+          <p:cNvPr id="9" name="Picture 8">
+            <a:extLst>
+              <a:ext uri="{FF2B5EF4-FFF2-40B4-BE49-F238E27FC236}">
+                <a16:creationId xmlns:a16="http://schemas.microsoft.com/office/drawing/2014/main" id="{394DBF06-6BB0-4E87-95C0-BF7FA982D96C}"/>
+              </a:ext>
+            </a:extLst>
+          </p:cNvPr>
+          <p:cNvPicPr>
+            <a:picLocks noChangeAspect="1"/>
+          </p:cNvPicPr>
+          <p:nvPr/>
+        </p:nvPicPr>
+        <p:blipFill>
+          <a:blip r:embed="rId4"/>
+          <a:stretch>
+            <a:fillRect/>
+          </a:stretch>
+        </p:blipFill>
+        <p:spPr>
+          <a:xfrm>
+            <a:off x="2709316" y="3872083"/>
+            <a:ext cx="4978895" cy="1038225"/>
+          </a:xfrm>
+          <a:prstGeom prst="rect">
+            <a:avLst/>
+          </a:prstGeom>
+        </p:spPr>
+      </p:pic>
+    </p:spTree>
+    <p:extLst>
+      <p:ext uri="{BB962C8B-B14F-4D97-AF65-F5344CB8AC3E}">
+        <p14:creationId xmlns:p14="http://schemas.microsoft.com/office/powerpoint/2010/main" val="3533579308"/>
+      </p:ext>
+    </p:extLst>
+  </p:cSld>
+  <p:clrMapOvr>
+    <a:masterClrMapping/>
+  </p:clrMapOvr>
 </p:sld>
 </file>
 
@@ -3251,7 +5231,13 @@
       </p:grpSpPr>
       <p:sp>
         <p:nvSpPr>
-          <p:cNvPr id="2" name="Title 1"/>
+          <p:cNvPr id="2" name="Title 1">
+            <a:extLst>
+              <a:ext uri="{FF2B5EF4-FFF2-40B4-BE49-F238E27FC236}">
+                <a16:creationId xmlns:a16="http://schemas.microsoft.com/office/drawing/2014/main" id="{5D7D08A6-6144-49F7-B52F-8308B6F5D772}"/>
+              </a:ext>
+            </a:extLst>
+          </p:cNvPr>
           <p:cNvSpPr>
             <a:spLocks noGrp="1"/>
           </p:cNvSpPr>
@@ -3261,42 +5247,30 @@
         </p:nvSpPr>
         <p:spPr>
           <a:xfrm>
-            <a:off x="1331640" y="0"/>
-            <a:ext cx="7812360" cy="884466"/>
-          </a:xfrm>
-        </p:spPr>
-        <p:txBody>
-          <a:bodyPr>
-            <a:normAutofit/>
-          </a:bodyPr>
-          <a:lstStyle/>
-          <a:p>
-            <a:pPr algn="l"/>
-            <a:r>
-              <a:rPr lang="en-US" altLang="ko-KR" sz="4000" dirty="0" smtClean="0">
-                <a:solidFill>
-                  <a:schemeClr val="tx1">
-                    <a:lumMod val="75000"/>
-                    <a:lumOff val="25000"/>
-                  </a:schemeClr>
-                </a:solidFill>
-              </a:rPr>
-              <a:t>Why TS</a:t>
-            </a:r>
-            <a:endParaRPr lang="ko-KR" altLang="en-US" sz="4000" dirty="0">
-              <a:solidFill>
-                <a:schemeClr val="tx1">
-                  <a:lumMod val="75000"/>
-                  <a:lumOff val="25000"/>
-                </a:schemeClr>
-              </a:solidFill>
-            </a:endParaRPr>
-          </a:p>
-        </p:txBody>
-      </p:sp>
-      <p:sp>
-        <p:nvSpPr>
-          <p:cNvPr id="4" name="Content Placeholder 3"/>
+            <a:off x="1259632" y="0"/>
+            <a:ext cx="7884368" cy="884466"/>
+          </a:xfrm>
+        </p:spPr>
+        <p:txBody>
+          <a:bodyPr/>
+          <a:lstStyle/>
+          <a:p>
+            <a:r>
+              <a:rPr lang="en-US" dirty="0"/>
+              <a:t>Headlines</a:t>
+            </a:r>
+          </a:p>
+        </p:txBody>
+      </p:sp>
+      <p:sp>
+        <p:nvSpPr>
+          <p:cNvPr id="3" name="Content Placeholder 2">
+            <a:extLst>
+              <a:ext uri="{FF2B5EF4-FFF2-40B4-BE49-F238E27FC236}">
+                <a16:creationId xmlns:a16="http://schemas.microsoft.com/office/drawing/2014/main" id="{15AD97A0-6FB2-4A15-BC50-FC7B498D2CFF}"/>
+              </a:ext>
+            </a:extLst>
+          </p:cNvPr>
           <p:cNvSpPr>
             <a:spLocks noGrp="1"/>
           </p:cNvSpPr>
@@ -3306,126 +5280,446 @@
         </p:nvSpPr>
         <p:spPr>
           <a:xfrm>
-            <a:off x="1655676" y="1131590"/>
-            <a:ext cx="7031124" cy="3888432"/>
-          </a:xfrm>
-        </p:spPr>
-        <p:txBody>
-          <a:bodyPr>
-            <a:normAutofit/>
-          </a:bodyPr>
-          <a:lstStyle/>
-          <a:p>
-            <a:r>
-              <a:rPr lang="en-US" altLang="ko-KR" sz="2800" dirty="0" smtClean="0">
-                <a:solidFill>
-                  <a:schemeClr val="tx1">
-                    <a:lumMod val="75000"/>
-                    <a:lumOff val="25000"/>
-                  </a:schemeClr>
-                </a:solidFill>
-                <a:latin typeface="Arial" pitchFamily="34" charset="0"/>
-                <a:cs typeface="Arial" pitchFamily="34" charset="0"/>
-              </a:rPr>
-              <a:t>Static Type Checking</a:t>
-            </a:r>
-            <a:endParaRPr lang="en-US" altLang="ko-KR" sz="2800" dirty="0" smtClean="0">
-              <a:solidFill>
-                <a:schemeClr val="tx1">
-                  <a:lumMod val="75000"/>
-                  <a:lumOff val="25000"/>
-                </a:schemeClr>
-              </a:solidFill>
-              <a:latin typeface="Arial" pitchFamily="34" charset="0"/>
-              <a:cs typeface="Arial" pitchFamily="34" charset="0"/>
-            </a:endParaRPr>
-          </a:p>
-          <a:p>
-            <a:pPr>
-              <a:buFont typeface="Wingdings" pitchFamily="2" charset="2"/>
-              <a:buChar char="ü"/>
-            </a:pPr>
-            <a:r>
-              <a:rPr lang="en-US" sz="1800" dirty="0" err="1"/>
-              <a:t>TypeScript</a:t>
-            </a:r>
-            <a:r>
-              <a:rPr lang="en-US" sz="1800" dirty="0"/>
-              <a:t> checks a program for errors before execution, and does so based on the </a:t>
-            </a:r>
-            <a:r>
-              <a:rPr lang="en-US" sz="1800" i="1" dirty="0"/>
-              <a:t>kinds of values</a:t>
-            </a:r>
-            <a:r>
-              <a:rPr lang="en-US" sz="1800" dirty="0"/>
-              <a:t>, it’s a </a:t>
-            </a:r>
-            <a:r>
-              <a:rPr lang="en-US" sz="1800" i="1" dirty="0"/>
-              <a:t>static type </a:t>
-            </a:r>
-            <a:r>
-              <a:rPr lang="en-US" sz="1800" i="1" dirty="0" smtClean="0"/>
-              <a:t>checker</a:t>
-            </a:r>
-          </a:p>
-          <a:p>
-            <a:r>
-              <a:rPr lang="en-US" altLang="ko-KR" sz="1800" dirty="0" smtClean="0">
-                <a:solidFill>
-                  <a:schemeClr val="tx1">
-                    <a:lumMod val="50000"/>
-                    <a:lumOff val="50000"/>
-                  </a:schemeClr>
-                </a:solidFill>
-                <a:latin typeface="Arial" pitchFamily="34" charset="0"/>
-                <a:cs typeface="Arial" pitchFamily="34" charset="0"/>
-              </a:rPr>
-              <a:t>Example:</a:t>
-            </a:r>
-            <a:br>
-              <a:rPr lang="en-US" altLang="ko-KR" sz="1800" dirty="0" smtClean="0">
-                <a:solidFill>
-                  <a:schemeClr val="tx1">
-                    <a:lumMod val="50000"/>
-                    <a:lumOff val="50000"/>
-                  </a:schemeClr>
-                </a:solidFill>
-                <a:latin typeface="Arial" pitchFamily="34" charset="0"/>
-                <a:cs typeface="Arial" pitchFamily="34" charset="0"/>
-              </a:rPr>
-            </a:br>
-            <a:endParaRPr lang="en-US" altLang="ko-KR" sz="1800" dirty="0" smtClean="0">
-              <a:solidFill>
-                <a:schemeClr val="tx1">
-                  <a:lumMod val="50000"/>
-                  <a:lumOff val="50000"/>
-                </a:schemeClr>
-              </a:solidFill>
-              <a:latin typeface="Arial" pitchFamily="34" charset="0"/>
-              <a:cs typeface="Arial" pitchFamily="34" charset="0"/>
-            </a:endParaRPr>
+            <a:off x="1115616" y="1200151"/>
+            <a:ext cx="7571184" cy="3394472"/>
+          </a:xfrm>
+        </p:spPr>
+        <p:txBody>
+          <a:bodyPr/>
+          <a:lstStyle/>
+          <a:p>
+            <a:r>
+              <a:rPr lang="en-US" sz="2800" dirty="0"/>
+              <a:t>Definition</a:t>
+            </a:r>
+          </a:p>
+          <a:p>
+            <a:r>
+              <a:rPr lang="en-US" sz="2800" dirty="0"/>
+              <a:t>why type script</a:t>
+            </a:r>
+          </a:p>
+          <a:p>
+            <a:r>
+              <a:rPr lang="en-US" sz="2800" dirty="0"/>
+              <a:t>typescript features</a:t>
+            </a:r>
+          </a:p>
+          <a:p>
+            <a:r>
+              <a:rPr lang="en-US" sz="2800" dirty="0"/>
+              <a:t>typescript in react</a:t>
+            </a:r>
+          </a:p>
+          <a:p>
+            <a:r>
+              <a:rPr lang="en-US" sz="2800" dirty="0"/>
+              <a:t>samples</a:t>
+            </a:r>
           </a:p>
         </p:txBody>
       </p:sp>
     </p:spTree>
     <p:extLst>
       <p:ext uri="{BB962C8B-B14F-4D97-AF65-F5344CB8AC3E}">
-        <p14:creationId xmlns:p14="http://schemas.microsoft.com/office/powerpoint/2010/main" val="2090594489"/>
+        <p14:creationId xmlns:p14="http://schemas.microsoft.com/office/powerpoint/2010/main" val="2774243713"/>
       </p:ext>
     </p:extLst>
   </p:cSld>
   <p:clrMapOvr>
     <a:masterClrMapping/>
   </p:clrMapOvr>
-  <p:timing>
-    <p:tnLst>
-      <p:par>
-        <p:cTn id="1" dur="indefinite" restart="never" nodeType="tmRoot"/>
-      </p:par>
-    </p:tnLst>
-  </p:timing>
+</p:sld>
+</file>
+
+<file path=ppt/slides/slide20.xml><?xml version="1.0" encoding="utf-8"?>
+<p:sld xmlns:a="http://schemas.openxmlformats.org/drawingml/2006/main" xmlns:r="http://schemas.openxmlformats.org/officeDocument/2006/relationships" xmlns:p="http://schemas.openxmlformats.org/presentationml/2006/main">
+  <p:cSld>
+    <p:spTree>
+      <p:nvGrpSpPr>
+        <p:cNvPr id="1" name=""/>
+        <p:cNvGrpSpPr/>
+        <p:nvPr/>
+      </p:nvGrpSpPr>
+      <p:grpSpPr>
+        <a:xfrm>
+          <a:off x="0" y="0"/>
+          <a:ext cx="0" cy="0"/>
+          <a:chOff x="0" y="0"/>
+          <a:chExt cx="0" cy="0"/>
+        </a:xfrm>
+      </p:grpSpPr>
+      <p:sp>
+        <p:nvSpPr>
+          <p:cNvPr id="2" name="Title 1">
+            <a:extLst>
+              <a:ext uri="{FF2B5EF4-FFF2-40B4-BE49-F238E27FC236}">
+                <a16:creationId xmlns:a16="http://schemas.microsoft.com/office/drawing/2014/main" id="{8A7A38DC-F844-41ED-8C8E-0B39E3C5E1F2}"/>
+              </a:ext>
+            </a:extLst>
+          </p:cNvPr>
+          <p:cNvSpPr>
+            <a:spLocks noGrp="1"/>
+          </p:cNvSpPr>
+          <p:nvPr>
+            <p:ph type="title"/>
+          </p:nvPr>
+        </p:nvSpPr>
+        <p:spPr/>
+        <p:txBody>
+          <a:bodyPr/>
+          <a:lstStyle/>
+          <a:p>
+            <a:r>
+              <a:rPr lang="en-US" dirty="0"/>
+              <a:t>Some Other Features</a:t>
+            </a:r>
+          </a:p>
+        </p:txBody>
+      </p:sp>
+      <p:sp>
+        <p:nvSpPr>
+          <p:cNvPr id="3" name="Content Placeholder 2">
+            <a:extLst>
+              <a:ext uri="{FF2B5EF4-FFF2-40B4-BE49-F238E27FC236}">
+                <a16:creationId xmlns:a16="http://schemas.microsoft.com/office/drawing/2014/main" id="{E0CDFDA2-C069-41AA-B76A-3813F8967913}"/>
+              </a:ext>
+            </a:extLst>
+          </p:cNvPr>
+          <p:cNvSpPr>
+            <a:spLocks noGrp="1"/>
+          </p:cNvSpPr>
+          <p:nvPr>
+            <p:ph idx="1"/>
+          </p:nvPr>
+        </p:nvSpPr>
+        <p:spPr/>
+        <p:txBody>
+          <a:bodyPr/>
+          <a:lstStyle/>
+          <a:p>
+            <a:r>
+              <a:rPr lang="en-US" dirty="0"/>
+              <a:t>Generic </a:t>
+            </a:r>
+            <a:r>
+              <a:rPr lang="en-US" dirty="0" err="1"/>
+              <a:t>fucntions</a:t>
+            </a:r>
+            <a:endParaRPr lang="en-US" dirty="0"/>
+          </a:p>
+          <a:p>
+            <a:r>
+              <a:rPr lang="en-US" dirty="0" err="1"/>
+              <a:t>Contraints</a:t>
+            </a:r>
+            <a:endParaRPr lang="en-US" dirty="0"/>
+          </a:p>
+          <a:p>
+            <a:endParaRPr lang="en-US" dirty="0"/>
+          </a:p>
+        </p:txBody>
+      </p:sp>
+    </p:spTree>
+    <p:extLst>
+      <p:ext uri="{BB962C8B-B14F-4D97-AF65-F5344CB8AC3E}">
+        <p14:creationId xmlns:p14="http://schemas.microsoft.com/office/powerpoint/2010/main" val="46621427"/>
+      </p:ext>
+    </p:extLst>
+  </p:cSld>
+  <p:clrMapOvr>
+    <a:masterClrMapping/>
+  </p:clrMapOvr>
+</p:sld>
+</file>
+
+<file path=ppt/slides/slide21.xml><?xml version="1.0" encoding="utf-8"?>
+<p:sld xmlns:a="http://schemas.openxmlformats.org/drawingml/2006/main" xmlns:r="http://schemas.openxmlformats.org/officeDocument/2006/relationships" xmlns:p="http://schemas.openxmlformats.org/presentationml/2006/main">
+  <p:cSld>
+    <p:spTree>
+      <p:nvGrpSpPr>
+        <p:cNvPr id="1" name=""/>
+        <p:cNvGrpSpPr/>
+        <p:nvPr/>
+      </p:nvGrpSpPr>
+      <p:grpSpPr>
+        <a:xfrm>
+          <a:off x="0" y="0"/>
+          <a:ext cx="0" cy="0"/>
+          <a:chOff x="0" y="0"/>
+          <a:chExt cx="0" cy="0"/>
+        </a:xfrm>
+      </p:grpSpPr>
+      <p:sp>
+        <p:nvSpPr>
+          <p:cNvPr id="2" name="Title 1">
+            <a:extLst>
+              <a:ext uri="{FF2B5EF4-FFF2-40B4-BE49-F238E27FC236}">
+                <a16:creationId xmlns:a16="http://schemas.microsoft.com/office/drawing/2014/main" id="{1F614C6E-D38B-4896-B309-AADBBF3632FD}"/>
+              </a:ext>
+            </a:extLst>
+          </p:cNvPr>
+          <p:cNvSpPr>
+            <a:spLocks noGrp="1"/>
+          </p:cNvSpPr>
+          <p:nvPr>
+            <p:ph type="title"/>
+          </p:nvPr>
+        </p:nvSpPr>
+        <p:spPr>
+          <a:xfrm>
+            <a:off x="1043608" y="0"/>
+            <a:ext cx="8100392" cy="884466"/>
+          </a:xfrm>
+        </p:spPr>
+        <p:txBody>
+          <a:bodyPr/>
+          <a:lstStyle/>
+          <a:p>
+            <a:r>
+              <a:rPr lang="en-US" dirty="0"/>
+              <a:t>Typescript In React</a:t>
+            </a:r>
+          </a:p>
+        </p:txBody>
+      </p:sp>
+      <p:pic>
+        <p:nvPicPr>
+          <p:cNvPr id="5" name="Content Placeholder 4">
+            <a:extLst>
+              <a:ext uri="{FF2B5EF4-FFF2-40B4-BE49-F238E27FC236}">
+                <a16:creationId xmlns:a16="http://schemas.microsoft.com/office/drawing/2014/main" id="{A828E1C1-1E4E-4B09-94DF-2FCD2F4BF3AA}"/>
+              </a:ext>
+            </a:extLst>
+          </p:cNvPr>
+          <p:cNvPicPr>
+            <a:picLocks noGrp="1" noChangeAspect="1"/>
+          </p:cNvPicPr>
+          <p:nvPr>
+            <p:ph idx="1"/>
+          </p:nvPr>
+        </p:nvPicPr>
+        <p:blipFill>
+          <a:blip r:embed="rId2"/>
+          <a:stretch>
+            <a:fillRect/>
+          </a:stretch>
+        </p:blipFill>
+        <p:spPr>
+          <a:xfrm>
+            <a:off x="1115616" y="884466"/>
+            <a:ext cx="7620000" cy="2381250"/>
+          </a:xfrm>
+        </p:spPr>
+      </p:pic>
+    </p:spTree>
+    <p:extLst>
+      <p:ext uri="{BB962C8B-B14F-4D97-AF65-F5344CB8AC3E}">
+        <p14:creationId xmlns:p14="http://schemas.microsoft.com/office/powerpoint/2010/main" val="3176649031"/>
+      </p:ext>
+    </p:extLst>
+  </p:cSld>
+  <p:clrMapOvr>
+    <a:masterClrMapping/>
+  </p:clrMapOvr>
+</p:sld>
+</file>
+
+<file path=ppt/slides/slide22.xml><?xml version="1.0" encoding="utf-8"?>
+<p:sld xmlns:a="http://schemas.openxmlformats.org/drawingml/2006/main" xmlns:r="http://schemas.openxmlformats.org/officeDocument/2006/relationships" xmlns:p="http://schemas.openxmlformats.org/presentationml/2006/main">
+  <p:cSld>
+    <p:spTree>
+      <p:nvGrpSpPr>
+        <p:cNvPr id="1" name=""/>
+        <p:cNvGrpSpPr/>
+        <p:nvPr/>
+      </p:nvGrpSpPr>
+      <p:grpSpPr>
+        <a:xfrm>
+          <a:off x="0" y="0"/>
+          <a:ext cx="0" cy="0"/>
+          <a:chOff x="0" y="0"/>
+          <a:chExt cx="0" cy="0"/>
+        </a:xfrm>
+      </p:grpSpPr>
+      <p:sp>
+        <p:nvSpPr>
+          <p:cNvPr id="2" name="Title 1">
+            <a:extLst>
+              <a:ext uri="{FF2B5EF4-FFF2-40B4-BE49-F238E27FC236}">
+                <a16:creationId xmlns:a16="http://schemas.microsoft.com/office/drawing/2014/main" id="{B714A3E5-F980-49D3-982C-944CD2F99FB5}"/>
+              </a:ext>
+            </a:extLst>
+          </p:cNvPr>
+          <p:cNvSpPr>
+            <a:spLocks noGrp="1"/>
+          </p:cNvSpPr>
+          <p:nvPr>
+            <p:ph type="title"/>
+          </p:nvPr>
+        </p:nvSpPr>
+        <p:spPr>
+          <a:xfrm>
+            <a:off x="1259632" y="0"/>
+            <a:ext cx="7884368" cy="884466"/>
+          </a:xfrm>
+        </p:spPr>
+        <p:txBody>
+          <a:bodyPr/>
+          <a:lstStyle/>
+          <a:p>
+            <a:r>
+              <a:rPr lang="en-US" dirty="0"/>
+              <a:t>Typescript In React</a:t>
+            </a:r>
+          </a:p>
+        </p:txBody>
+      </p:sp>
+      <p:pic>
+        <p:nvPicPr>
+          <p:cNvPr id="4" name="Picture 3">
+            <a:extLst>
+              <a:ext uri="{FF2B5EF4-FFF2-40B4-BE49-F238E27FC236}">
+                <a16:creationId xmlns:a16="http://schemas.microsoft.com/office/drawing/2014/main" id="{1A941F76-592C-4637-AC50-06D8516FE77D}"/>
+              </a:ext>
+            </a:extLst>
+          </p:cNvPr>
+          <p:cNvPicPr>
+            <a:picLocks noChangeAspect="1"/>
+          </p:cNvPicPr>
+          <p:nvPr/>
+        </p:nvPicPr>
+        <p:blipFill>
+          <a:blip r:embed="rId2"/>
+          <a:stretch>
+            <a:fillRect/>
+          </a:stretch>
+        </p:blipFill>
+        <p:spPr>
+          <a:xfrm>
+            <a:off x="1371600" y="1200151"/>
+            <a:ext cx="7448872" cy="2466975"/>
+          </a:xfrm>
+          <a:prstGeom prst="rect">
+            <a:avLst/>
+          </a:prstGeom>
+        </p:spPr>
+      </p:pic>
+    </p:spTree>
+    <p:extLst>
+      <p:ext uri="{BB962C8B-B14F-4D97-AF65-F5344CB8AC3E}">
+        <p14:creationId xmlns:p14="http://schemas.microsoft.com/office/powerpoint/2010/main" val="3527891155"/>
+      </p:ext>
+    </p:extLst>
+  </p:cSld>
+  <p:clrMapOvr>
+    <a:masterClrMapping/>
+  </p:clrMapOvr>
+</p:sld>
+</file>
+
+<file path=ppt/slides/slide23.xml><?xml version="1.0" encoding="utf-8"?>
+<p:sld xmlns:a="http://schemas.openxmlformats.org/drawingml/2006/main" xmlns:r="http://schemas.openxmlformats.org/officeDocument/2006/relationships" xmlns:p="http://schemas.openxmlformats.org/presentationml/2006/main">
+  <p:cSld>
+    <p:spTree>
+      <p:nvGrpSpPr>
+        <p:cNvPr id="1" name=""/>
+        <p:cNvGrpSpPr/>
+        <p:nvPr/>
+      </p:nvGrpSpPr>
+      <p:grpSpPr>
+        <a:xfrm>
+          <a:off x="0" y="0"/>
+          <a:ext cx="0" cy="0"/>
+          <a:chOff x="0" y="0"/>
+          <a:chExt cx="0" cy="0"/>
+        </a:xfrm>
+      </p:grpSpPr>
+      <p:sp>
+        <p:nvSpPr>
+          <p:cNvPr id="2" name="Title 1">
+            <a:extLst>
+              <a:ext uri="{FF2B5EF4-FFF2-40B4-BE49-F238E27FC236}">
+                <a16:creationId xmlns:a16="http://schemas.microsoft.com/office/drawing/2014/main" id="{13A3469B-697A-4A82-8ED5-771C6BDDFD75}"/>
+              </a:ext>
+            </a:extLst>
+          </p:cNvPr>
+          <p:cNvSpPr>
+            <a:spLocks noGrp="1"/>
+          </p:cNvSpPr>
+          <p:nvPr>
+            <p:ph type="title"/>
+          </p:nvPr>
+        </p:nvSpPr>
+        <p:spPr/>
+        <p:txBody>
+          <a:bodyPr/>
+          <a:lstStyle/>
+          <a:p>
+            <a:r>
+              <a:rPr lang="en-US" dirty="0" err="1"/>
+              <a:t>Refrences</a:t>
+            </a:r>
+            <a:endParaRPr lang="en-US" dirty="0"/>
+          </a:p>
+        </p:txBody>
+      </p:sp>
+      <p:sp>
+        <p:nvSpPr>
+          <p:cNvPr id="3" name="Content Placeholder 2">
+            <a:extLst>
+              <a:ext uri="{FF2B5EF4-FFF2-40B4-BE49-F238E27FC236}">
+                <a16:creationId xmlns:a16="http://schemas.microsoft.com/office/drawing/2014/main" id="{F541AFD9-6D35-417D-88CB-8B1F97223422}"/>
+              </a:ext>
+            </a:extLst>
+          </p:cNvPr>
+          <p:cNvSpPr>
+            <a:spLocks noGrp="1"/>
+          </p:cNvSpPr>
+          <p:nvPr>
+            <p:ph idx="1"/>
+          </p:nvPr>
+        </p:nvSpPr>
+        <p:spPr/>
+        <p:txBody>
+          <a:bodyPr/>
+          <a:lstStyle/>
+          <a:p>
+            <a:r>
+              <a:rPr lang="en-US" sz="2400" dirty="0">
+                <a:hlinkClick r:id="rId2"/>
+              </a:rPr>
+              <a:t>https://www.typescriptlang.org/docs/handbook/intro.html</a:t>
+            </a:r>
+            <a:endParaRPr lang="en-US" sz="2400" dirty="0"/>
+          </a:p>
+          <a:p>
+            <a:r>
+              <a:rPr lang="en-US" dirty="0">
+                <a:hlinkClick r:id="rId3"/>
+              </a:rPr>
+              <a:t>https://create-react-app.dev/docs/adding-typescript/</a:t>
+            </a:r>
+            <a:endParaRPr lang="fa-IR" dirty="0"/>
+          </a:p>
+          <a:p>
+            <a:pPr marL="0" indent="0">
+              <a:buNone/>
+            </a:pPr>
+            <a:endParaRPr lang="en-US" dirty="0"/>
+          </a:p>
+        </p:txBody>
+      </p:sp>
+    </p:spTree>
+    <p:extLst>
+      <p:ext uri="{BB962C8B-B14F-4D97-AF65-F5344CB8AC3E}">
+        <p14:creationId xmlns:p14="http://schemas.microsoft.com/office/powerpoint/2010/main" val="2750679811"/>
+      </p:ext>
+    </p:extLst>
+  </p:cSld>
+  <p:clrMapOvr>
+    <a:masterClrMapping/>
+  </p:clrMapOvr>
 </p:sld>
 </file>
 
@@ -3448,7 +5742,13 @@
       </p:grpSpPr>
       <p:sp>
         <p:nvSpPr>
-          <p:cNvPr id="2" name="Title 1"/>
+          <p:cNvPr id="2" name="Title 1">
+            <a:extLst>
+              <a:ext uri="{FF2B5EF4-FFF2-40B4-BE49-F238E27FC236}">
+                <a16:creationId xmlns:a16="http://schemas.microsoft.com/office/drawing/2014/main" id="{477B3B7F-609F-4826-A7DE-6F26D6B9E9A3}"/>
+              </a:ext>
+            </a:extLst>
+          </p:cNvPr>
           <p:cNvSpPr>
             <a:spLocks noGrp="1"/>
           </p:cNvSpPr>
@@ -3456,274 +5756,68 @@
             <p:ph type="title"/>
           </p:nvPr>
         </p:nvSpPr>
-        <p:spPr/>
-        <p:txBody>
-          <a:bodyPr/>
-          <a:lstStyle/>
-          <a:p>
-            <a:r>
-              <a:rPr lang="en-US" altLang="ko-KR" dirty="0">
+        <p:spPr>
+          <a:xfrm>
+            <a:off x="1115616" y="0"/>
+            <a:ext cx="8028384" cy="884466"/>
+          </a:xfrm>
+        </p:spPr>
+        <p:txBody>
+          <a:bodyPr/>
+          <a:lstStyle/>
+          <a:p>
+            <a:r>
+              <a:rPr lang="en-US" dirty="0" err="1"/>
+              <a:t>Definiation</a:t>
+            </a:r>
+            <a:endParaRPr lang="en-US" dirty="0"/>
+          </a:p>
+        </p:txBody>
+      </p:sp>
+      <p:sp>
+        <p:nvSpPr>
+          <p:cNvPr id="3" name="Content Placeholder 2">
+            <a:extLst>
+              <a:ext uri="{FF2B5EF4-FFF2-40B4-BE49-F238E27FC236}">
+                <a16:creationId xmlns:a16="http://schemas.microsoft.com/office/drawing/2014/main" id="{47198781-D39A-45D5-8622-197A0DB19768}"/>
+              </a:ext>
+            </a:extLst>
+          </p:cNvPr>
+          <p:cNvSpPr>
+            <a:spLocks noGrp="1"/>
+          </p:cNvSpPr>
+          <p:nvPr>
+            <p:ph idx="1"/>
+          </p:nvPr>
+        </p:nvSpPr>
+        <p:spPr>
+          <a:xfrm>
+            <a:off x="899592" y="1200151"/>
+            <a:ext cx="7787208" cy="3394472"/>
+          </a:xfrm>
+        </p:spPr>
+        <p:txBody>
+          <a:bodyPr/>
+          <a:lstStyle/>
+          <a:p>
+            <a:r>
+              <a:rPr lang="en-US" sz="2800" b="0" i="0" dirty="0">
                 <a:solidFill>
-                  <a:schemeClr val="tx1">
-                    <a:lumMod val="75000"/>
-                    <a:lumOff val="25000"/>
-                  </a:schemeClr>
+                  <a:srgbClr val="222635"/>
                 </a:solidFill>
+                <a:effectLst/>
+                <a:latin typeface="Cambria" panose="02040503050406030204" pitchFamily="18" charset="0"/>
               </a:rPr>
-              <a:t>Why TS</a:t>
-            </a:r>
-            <a:endParaRPr lang="en-US" dirty="0"/>
-          </a:p>
-        </p:txBody>
-      </p:sp>
-      <p:sp>
-        <p:nvSpPr>
-          <p:cNvPr id="3" name="Content Placeholder 2"/>
-          <p:cNvSpPr>
-            <a:spLocks noGrp="1"/>
-          </p:cNvSpPr>
-          <p:nvPr>
-            <p:ph idx="1"/>
-          </p:nvPr>
-        </p:nvSpPr>
-        <p:spPr/>
-        <p:txBody>
-          <a:bodyPr/>
-          <a:lstStyle/>
-          <a:p>
-            <a:r>
-              <a:rPr lang="en-US" sz="2800" dirty="0" smtClean="0"/>
-              <a:t>Example:</a:t>
-            </a:r>
-          </a:p>
-          <a:p>
-            <a:r>
-              <a:rPr lang="en-US" sz="1800" dirty="0" err="1">
-                <a:solidFill>
-                  <a:schemeClr val="accent3">
-                    <a:lumMod val="75000"/>
-                  </a:schemeClr>
-                </a:solidFill>
-              </a:rPr>
-              <a:t>const</a:t>
-            </a:r>
-            <a:r>
-              <a:rPr lang="en-US" sz="1800" dirty="0">
-                <a:solidFill>
-                  <a:schemeClr val="accent3">
-                    <a:lumMod val="75000"/>
-                  </a:schemeClr>
-                </a:solidFill>
-              </a:rPr>
-              <a:t> </a:t>
-            </a:r>
-            <a:r>
-              <a:rPr lang="en-US" sz="1800" dirty="0" err="1">
-                <a:solidFill>
-                  <a:schemeClr val="accent3">
-                    <a:lumMod val="75000"/>
-                  </a:schemeClr>
-                </a:solidFill>
-              </a:rPr>
-              <a:t>obj</a:t>
-            </a:r>
-            <a:r>
-              <a:rPr lang="en-US" sz="1800" dirty="0">
-                <a:solidFill>
-                  <a:schemeClr val="accent3">
-                    <a:lumMod val="75000"/>
-                  </a:schemeClr>
-                </a:solidFill>
-              </a:rPr>
-              <a:t> = { width: 10, height: 15 };</a:t>
-            </a:r>
-          </a:p>
-          <a:p>
-            <a:r>
-              <a:rPr lang="en-US" sz="1800" dirty="0">
-                <a:solidFill>
-                  <a:schemeClr val="accent3">
-                    <a:lumMod val="75000"/>
-                  </a:schemeClr>
-                </a:solidFill>
-              </a:rPr>
-              <a:t>// Why is this </a:t>
-            </a:r>
-            <a:r>
-              <a:rPr lang="en-US" sz="1800" dirty="0" err="1">
-                <a:solidFill>
-                  <a:schemeClr val="accent3">
-                    <a:lumMod val="75000"/>
-                  </a:schemeClr>
-                </a:solidFill>
-              </a:rPr>
-              <a:t>NaN</a:t>
-            </a:r>
-            <a:r>
-              <a:rPr lang="en-US" sz="1800" dirty="0">
-                <a:solidFill>
-                  <a:schemeClr val="accent3">
-                    <a:lumMod val="75000"/>
-                  </a:schemeClr>
-                </a:solidFill>
-              </a:rPr>
-              <a:t>? Spelling is hard!</a:t>
-            </a:r>
-          </a:p>
-          <a:p>
-            <a:r>
-              <a:rPr lang="en-US" sz="1800" dirty="0" err="1">
-                <a:solidFill>
-                  <a:schemeClr val="accent3">
-                    <a:lumMod val="75000"/>
-                  </a:schemeClr>
-                </a:solidFill>
-              </a:rPr>
-              <a:t>const</a:t>
-            </a:r>
-            <a:r>
-              <a:rPr lang="en-US" sz="1800" dirty="0">
-                <a:solidFill>
-                  <a:schemeClr val="accent3">
-                    <a:lumMod val="75000"/>
-                  </a:schemeClr>
-                </a:solidFill>
-              </a:rPr>
-              <a:t> area = </a:t>
-            </a:r>
-            <a:r>
-              <a:rPr lang="en-US" sz="1800" dirty="0" err="1">
-                <a:solidFill>
-                  <a:schemeClr val="accent3">
-                    <a:lumMod val="75000"/>
-                  </a:schemeClr>
-                </a:solidFill>
-              </a:rPr>
-              <a:t>obj.width</a:t>
-            </a:r>
-            <a:r>
-              <a:rPr lang="en-US" sz="1800" dirty="0">
-                <a:solidFill>
-                  <a:schemeClr val="accent3">
-                    <a:lumMod val="75000"/>
-                  </a:schemeClr>
-                </a:solidFill>
-              </a:rPr>
-              <a:t> * </a:t>
-            </a:r>
-            <a:r>
-              <a:rPr lang="en-US" sz="1800" dirty="0" err="1">
-                <a:solidFill>
-                  <a:schemeClr val="accent3">
-                    <a:lumMod val="75000"/>
-                  </a:schemeClr>
-                </a:solidFill>
-              </a:rPr>
-              <a:t>obj.</a:t>
-            </a:r>
-            <a:r>
-              <a:rPr lang="en-US" sz="1800" dirty="0" err="1">
-                <a:solidFill>
-                  <a:schemeClr val="accent6">
-                    <a:lumMod val="75000"/>
-                  </a:schemeClr>
-                </a:solidFill>
-              </a:rPr>
-              <a:t>heigth</a:t>
-            </a:r>
-            <a:r>
-              <a:rPr lang="en-US" sz="1800" dirty="0">
-                <a:solidFill>
-                  <a:schemeClr val="accent3">
-                    <a:lumMod val="75000"/>
-                  </a:schemeClr>
-                </a:solidFill>
-              </a:rPr>
-              <a:t>;</a:t>
-            </a:r>
-          </a:p>
-          <a:p>
-            <a:endParaRPr lang="en-US" sz="2000" dirty="0" smtClean="0">
-              <a:solidFill>
-                <a:schemeClr val="accent3">
-                  <a:lumMod val="75000"/>
-                </a:schemeClr>
-              </a:solidFill>
-            </a:endParaRPr>
-          </a:p>
-          <a:p>
-            <a:r>
-              <a:rPr lang="en-US" sz="2000" dirty="0" smtClean="0"/>
-              <a:t>Without TS: </a:t>
-            </a:r>
-            <a:r>
-              <a:rPr lang="en-US" sz="2000" dirty="0" smtClean="0">
-                <a:solidFill>
-                  <a:schemeClr val="accent6">
-                    <a:lumMod val="75000"/>
-                  </a:schemeClr>
-                </a:solidFill>
-              </a:rPr>
-              <a:t>run time error</a:t>
-            </a:r>
-            <a:r>
-              <a:rPr lang="en-US" sz="2000" dirty="0" smtClean="0"/>
-              <a:t>?!</a:t>
-            </a:r>
-            <a:endParaRPr lang="en-US" sz="2000" dirty="0"/>
-          </a:p>
-          <a:p>
-            <a:r>
-              <a:rPr lang="en-US" sz="2000" dirty="0"/>
-              <a:t>TS error: </a:t>
-            </a:r>
-            <a:r>
-              <a:rPr lang="en-US" sz="2000" dirty="0" smtClean="0"/>
-              <a:t>(</a:t>
-            </a:r>
-            <a:r>
-              <a:rPr lang="en-US" sz="2000" dirty="0" smtClean="0">
-                <a:solidFill>
-                  <a:schemeClr val="accent6">
-                    <a:lumMod val="75000"/>
-                  </a:schemeClr>
-                </a:solidFill>
-              </a:rPr>
-              <a:t>compile error</a:t>
-            </a:r>
-            <a:r>
-              <a:rPr lang="en-US" sz="2000" dirty="0" smtClean="0"/>
-              <a:t>): Property </a:t>
-            </a:r>
-            <a:r>
-              <a:rPr lang="en-US" sz="2000" dirty="0"/>
-              <a:t>'</a:t>
-            </a:r>
-            <a:r>
-              <a:rPr lang="en-US" sz="2000" dirty="0" err="1"/>
-              <a:t>heigth</a:t>
-            </a:r>
-            <a:r>
-              <a:rPr lang="en-US" sz="2000" dirty="0"/>
-              <a:t>' does not exist on type '{ width: number; height: number; }'. Did you mean 'height'?</a:t>
-            </a:r>
-            <a:endParaRPr lang="en-US" sz="2000" dirty="0">
-              <a:solidFill>
-                <a:schemeClr val="accent3">
-                  <a:lumMod val="75000"/>
-                </a:schemeClr>
-              </a:solidFill>
-            </a:endParaRPr>
-          </a:p>
-          <a:p>
-            <a:endParaRPr lang="en-US" dirty="0"/>
+              <a:t>TypeScript is an object-oriented programming language developed and maintained by the Microsoft Corporation. It is a superset of JavaScript and contains all of its elements.</a:t>
+            </a:r>
+            <a:endParaRPr lang="en-US" sz="2800" dirty="0"/>
           </a:p>
         </p:txBody>
       </p:sp>
     </p:spTree>
     <p:extLst>
       <p:ext uri="{BB962C8B-B14F-4D97-AF65-F5344CB8AC3E}">
-        <p14:creationId xmlns:p14="http://schemas.microsoft.com/office/powerpoint/2010/main" val="1847312257"/>
+        <p14:creationId xmlns:p14="http://schemas.microsoft.com/office/powerpoint/2010/main" val="3583767152"/>
       </p:ext>
     </p:extLst>
   </p:cSld>
@@ -3760,12 +5854,226 @@
             <p:ph type="title"/>
           </p:nvPr>
         </p:nvSpPr>
-        <p:spPr/>
-        <p:txBody>
-          <a:bodyPr/>
-          <a:lstStyle/>
-          <a:p>
-            <a:endParaRPr lang="en-US"/>
+        <p:spPr>
+          <a:xfrm>
+            <a:off x="1331640" y="0"/>
+            <a:ext cx="7812360" cy="884466"/>
+          </a:xfrm>
+        </p:spPr>
+        <p:txBody>
+          <a:bodyPr>
+            <a:normAutofit/>
+          </a:bodyPr>
+          <a:lstStyle/>
+          <a:p>
+            <a:pPr algn="l"/>
+            <a:r>
+              <a:rPr lang="en-US" altLang="ko-KR" sz="4000" dirty="0">
+                <a:solidFill>
+                  <a:schemeClr val="tx1">
+                    <a:lumMod val="75000"/>
+                    <a:lumOff val="25000"/>
+                  </a:schemeClr>
+                </a:solidFill>
+              </a:rPr>
+              <a:t>Why TS</a:t>
+            </a:r>
+            <a:endParaRPr lang="ko-KR" altLang="en-US" sz="4000" dirty="0">
+              <a:solidFill>
+                <a:schemeClr val="tx1">
+                  <a:lumMod val="75000"/>
+                  <a:lumOff val="25000"/>
+                </a:schemeClr>
+              </a:solidFill>
+            </a:endParaRPr>
+          </a:p>
+        </p:txBody>
+      </p:sp>
+      <p:sp>
+        <p:nvSpPr>
+          <p:cNvPr id="4" name="Content Placeholder 3"/>
+          <p:cNvSpPr>
+            <a:spLocks noGrp="1"/>
+          </p:cNvSpPr>
+          <p:nvPr>
+            <p:ph idx="1"/>
+          </p:nvPr>
+        </p:nvSpPr>
+        <p:spPr>
+          <a:xfrm>
+            <a:off x="1655676" y="1131590"/>
+            <a:ext cx="7031124" cy="3888432"/>
+          </a:xfrm>
+        </p:spPr>
+        <p:txBody>
+          <a:bodyPr>
+            <a:normAutofit/>
+          </a:bodyPr>
+          <a:lstStyle/>
+          <a:p>
+            <a:r>
+              <a:rPr lang="en-US" altLang="ko-KR" sz="2800" dirty="0">
+                <a:solidFill>
+                  <a:schemeClr val="tx1">
+                    <a:lumMod val="75000"/>
+                    <a:lumOff val="25000"/>
+                  </a:schemeClr>
+                </a:solidFill>
+                <a:latin typeface="Arial" pitchFamily="34" charset="0"/>
+                <a:cs typeface="Arial" pitchFamily="34" charset="0"/>
+              </a:rPr>
+              <a:t>Static Type Checking</a:t>
+            </a:r>
+          </a:p>
+          <a:p>
+            <a:pPr>
+              <a:buFont typeface="Wingdings" pitchFamily="2" charset="2"/>
+              <a:buChar char="ü"/>
+            </a:pPr>
+            <a:r>
+              <a:rPr lang="en-US" sz="1800" dirty="0"/>
+              <a:t>TypeScript checks a program for errors before execution, and does so based on the </a:t>
+            </a:r>
+            <a:r>
+              <a:rPr lang="en-US" sz="1800" i="1" dirty="0"/>
+              <a:t>kinds of values</a:t>
+            </a:r>
+            <a:r>
+              <a:rPr lang="en-US" sz="1800" dirty="0"/>
+              <a:t>, it’s a </a:t>
+            </a:r>
+            <a:r>
+              <a:rPr lang="en-US" sz="1800" i="1" dirty="0"/>
+              <a:t>static type checker</a:t>
+            </a:r>
+          </a:p>
+          <a:p>
+            <a:pPr marL="0" indent="0">
+              <a:buNone/>
+            </a:pPr>
+            <a:br>
+              <a:rPr lang="en-US" altLang="ko-KR" sz="1800" dirty="0">
+                <a:solidFill>
+                  <a:schemeClr val="tx1">
+                    <a:lumMod val="50000"/>
+                    <a:lumOff val="50000"/>
+                  </a:schemeClr>
+                </a:solidFill>
+                <a:latin typeface="Arial" pitchFamily="34" charset="0"/>
+                <a:cs typeface="Arial" pitchFamily="34" charset="0"/>
+              </a:rPr>
+            </a:br>
+            <a:r>
+              <a:rPr lang="en-US" altLang="ko-KR" sz="1600" dirty="0">
+                <a:solidFill>
+                  <a:schemeClr val="tx2">
+                    <a:lumMod val="60000"/>
+                    <a:lumOff val="40000"/>
+                  </a:schemeClr>
+                </a:solidFill>
+                <a:latin typeface="Arial" pitchFamily="34" charset="0"/>
+                <a:cs typeface="Arial" pitchFamily="34" charset="0"/>
+              </a:rPr>
+              <a:t>for some values, such as the primitives string and number, we can identify their type at runtime using the </a:t>
+            </a:r>
+            <a:r>
+              <a:rPr lang="en-US" altLang="ko-KR" sz="1600" dirty="0" err="1">
+                <a:solidFill>
+                  <a:srgbClr val="FF0000"/>
+                </a:solidFill>
+                <a:latin typeface="Arial" pitchFamily="34" charset="0"/>
+                <a:cs typeface="Arial" pitchFamily="34" charset="0"/>
+              </a:rPr>
+              <a:t>typeof</a:t>
+            </a:r>
+            <a:r>
+              <a:rPr lang="en-US" altLang="ko-KR" sz="1600" dirty="0">
+                <a:solidFill>
+                  <a:schemeClr val="tx2">
+                    <a:lumMod val="60000"/>
+                    <a:lumOff val="40000"/>
+                  </a:schemeClr>
+                </a:solidFill>
+                <a:latin typeface="Arial" pitchFamily="34" charset="0"/>
+                <a:cs typeface="Arial" pitchFamily="34" charset="0"/>
+              </a:rPr>
+              <a:t> operator. But for other things like functions, there’s no corresponding runtime mechanism to identify their types</a:t>
+            </a:r>
+            <a:endParaRPr lang="en-US" altLang="ko-KR" sz="1800" dirty="0">
+              <a:solidFill>
+                <a:schemeClr val="tx2">
+                  <a:lumMod val="60000"/>
+                  <a:lumOff val="40000"/>
+                </a:schemeClr>
+              </a:solidFill>
+              <a:latin typeface="Arial" pitchFamily="34" charset="0"/>
+              <a:cs typeface="Arial" pitchFamily="34" charset="0"/>
+            </a:endParaRPr>
+          </a:p>
+        </p:txBody>
+      </p:sp>
+    </p:spTree>
+    <p:extLst>
+      <p:ext uri="{BB962C8B-B14F-4D97-AF65-F5344CB8AC3E}">
+        <p14:creationId xmlns:p14="http://schemas.microsoft.com/office/powerpoint/2010/main" val="2090594489"/>
+      </p:ext>
+    </p:extLst>
+  </p:cSld>
+  <p:clrMapOvr>
+    <a:masterClrMapping/>
+  </p:clrMapOvr>
+</p:sld>
+</file>
+
+<file path=ppt/slides/slide5.xml><?xml version="1.0" encoding="utf-8"?>
+<p:sld xmlns:a="http://schemas.openxmlformats.org/drawingml/2006/main" xmlns:r="http://schemas.openxmlformats.org/officeDocument/2006/relationships" xmlns:p="http://schemas.openxmlformats.org/presentationml/2006/main">
+  <p:cSld>
+    <p:spTree>
+      <p:nvGrpSpPr>
+        <p:cNvPr id="1" name=""/>
+        <p:cNvGrpSpPr/>
+        <p:nvPr/>
+      </p:nvGrpSpPr>
+      <p:grpSpPr>
+        <a:xfrm>
+          <a:off x="0" y="0"/>
+          <a:ext cx="0" cy="0"/>
+          <a:chOff x="0" y="0"/>
+          <a:chExt cx="0" cy="0"/>
+        </a:xfrm>
+      </p:grpSpPr>
+      <p:sp>
+        <p:nvSpPr>
+          <p:cNvPr id="2" name="Title 1"/>
+          <p:cNvSpPr>
+            <a:spLocks noGrp="1"/>
+          </p:cNvSpPr>
+          <p:nvPr>
+            <p:ph type="title"/>
+          </p:nvPr>
+        </p:nvSpPr>
+        <p:spPr>
+          <a:xfrm>
+            <a:off x="1187624" y="0"/>
+            <a:ext cx="7956376" cy="884466"/>
+          </a:xfrm>
+        </p:spPr>
+        <p:txBody>
+          <a:bodyPr/>
+          <a:lstStyle/>
+          <a:p>
+            <a:r>
+              <a:rPr lang="en-US" altLang="ko-KR" dirty="0">
+                <a:solidFill>
+                  <a:schemeClr val="tx1">
+                    <a:lumMod val="75000"/>
+                    <a:lumOff val="25000"/>
+                  </a:schemeClr>
+                </a:solidFill>
+              </a:rPr>
+              <a:t>Why TS</a:t>
+            </a:r>
+            <a:endParaRPr lang="en-US" dirty="0"/>
           </a:p>
         </p:txBody>
       </p:sp>
@@ -3779,12 +6087,539 @@
             <p:ph idx="1"/>
           </p:nvPr>
         </p:nvSpPr>
-        <p:spPr/>
-        <p:txBody>
-          <a:bodyPr/>
-          <a:lstStyle/>
-          <a:p>
-            <a:endParaRPr lang="en-US"/>
+        <p:spPr>
+          <a:xfrm>
+            <a:off x="1187624" y="1200151"/>
+            <a:ext cx="7499176" cy="3394472"/>
+          </a:xfrm>
+        </p:spPr>
+        <p:txBody>
+          <a:bodyPr/>
+          <a:lstStyle/>
+          <a:p>
+            <a:r>
+              <a:rPr lang="en-US" sz="2800" dirty="0"/>
+              <a:t>Example:</a:t>
+            </a:r>
+          </a:p>
+          <a:p>
+            <a:r>
+              <a:rPr lang="en-US" sz="1800" dirty="0" err="1">
+                <a:solidFill>
+                  <a:schemeClr val="accent3">
+                    <a:lumMod val="75000"/>
+                  </a:schemeClr>
+                </a:solidFill>
+              </a:rPr>
+              <a:t>const</a:t>
+            </a:r>
+            <a:r>
+              <a:rPr lang="en-US" sz="1800" dirty="0">
+                <a:solidFill>
+                  <a:schemeClr val="accent3">
+                    <a:lumMod val="75000"/>
+                  </a:schemeClr>
+                </a:solidFill>
+              </a:rPr>
+              <a:t> </a:t>
+            </a:r>
+            <a:r>
+              <a:rPr lang="en-US" sz="1800" dirty="0" err="1">
+                <a:solidFill>
+                  <a:schemeClr val="accent3">
+                    <a:lumMod val="75000"/>
+                  </a:schemeClr>
+                </a:solidFill>
+              </a:rPr>
+              <a:t>obj</a:t>
+            </a:r>
+            <a:r>
+              <a:rPr lang="en-US" sz="1800" dirty="0">
+                <a:solidFill>
+                  <a:schemeClr val="accent3">
+                    <a:lumMod val="75000"/>
+                  </a:schemeClr>
+                </a:solidFill>
+              </a:rPr>
+              <a:t> = { width: 10, height: 15 };</a:t>
+            </a:r>
+          </a:p>
+          <a:p>
+            <a:r>
+              <a:rPr lang="en-US" sz="1800" dirty="0">
+                <a:solidFill>
+                  <a:schemeClr val="accent3">
+                    <a:lumMod val="75000"/>
+                  </a:schemeClr>
+                </a:solidFill>
+              </a:rPr>
+              <a:t>// Why is this </a:t>
+            </a:r>
+            <a:r>
+              <a:rPr lang="en-US" sz="1800" dirty="0" err="1">
+                <a:solidFill>
+                  <a:schemeClr val="accent3">
+                    <a:lumMod val="75000"/>
+                  </a:schemeClr>
+                </a:solidFill>
+              </a:rPr>
+              <a:t>NaN</a:t>
+            </a:r>
+            <a:r>
+              <a:rPr lang="en-US" sz="1800" dirty="0">
+                <a:solidFill>
+                  <a:schemeClr val="accent3">
+                    <a:lumMod val="75000"/>
+                  </a:schemeClr>
+                </a:solidFill>
+              </a:rPr>
+              <a:t>? Spelling is hard!</a:t>
+            </a:r>
+          </a:p>
+          <a:p>
+            <a:r>
+              <a:rPr lang="en-US" sz="1800" dirty="0" err="1">
+                <a:solidFill>
+                  <a:schemeClr val="accent3">
+                    <a:lumMod val="75000"/>
+                  </a:schemeClr>
+                </a:solidFill>
+              </a:rPr>
+              <a:t>const</a:t>
+            </a:r>
+            <a:r>
+              <a:rPr lang="en-US" sz="1800" dirty="0">
+                <a:solidFill>
+                  <a:schemeClr val="accent3">
+                    <a:lumMod val="75000"/>
+                  </a:schemeClr>
+                </a:solidFill>
+              </a:rPr>
+              <a:t> area = </a:t>
+            </a:r>
+            <a:r>
+              <a:rPr lang="en-US" sz="1800" dirty="0" err="1">
+                <a:solidFill>
+                  <a:schemeClr val="accent3">
+                    <a:lumMod val="75000"/>
+                  </a:schemeClr>
+                </a:solidFill>
+              </a:rPr>
+              <a:t>obj.width</a:t>
+            </a:r>
+            <a:r>
+              <a:rPr lang="en-US" sz="1800" dirty="0">
+                <a:solidFill>
+                  <a:schemeClr val="accent3">
+                    <a:lumMod val="75000"/>
+                  </a:schemeClr>
+                </a:solidFill>
+              </a:rPr>
+              <a:t> * </a:t>
+            </a:r>
+            <a:r>
+              <a:rPr lang="en-US" sz="1800" dirty="0" err="1">
+                <a:solidFill>
+                  <a:schemeClr val="accent3">
+                    <a:lumMod val="75000"/>
+                  </a:schemeClr>
+                </a:solidFill>
+              </a:rPr>
+              <a:t>obj.</a:t>
+            </a:r>
+            <a:r>
+              <a:rPr lang="en-US" sz="1800" dirty="0" err="1">
+                <a:solidFill>
+                  <a:schemeClr val="accent6">
+                    <a:lumMod val="75000"/>
+                  </a:schemeClr>
+                </a:solidFill>
+              </a:rPr>
+              <a:t>heigth</a:t>
+            </a:r>
+            <a:r>
+              <a:rPr lang="en-US" sz="1800" dirty="0">
+                <a:solidFill>
+                  <a:schemeClr val="accent3">
+                    <a:lumMod val="75000"/>
+                  </a:schemeClr>
+                </a:solidFill>
+              </a:rPr>
+              <a:t>;</a:t>
+            </a:r>
+          </a:p>
+          <a:p>
+            <a:endParaRPr lang="en-US" sz="2000" dirty="0">
+              <a:solidFill>
+                <a:schemeClr val="accent3">
+                  <a:lumMod val="75000"/>
+                </a:schemeClr>
+              </a:solidFill>
+            </a:endParaRPr>
+          </a:p>
+          <a:p>
+            <a:r>
+              <a:rPr lang="en-US" sz="2000" dirty="0"/>
+              <a:t>Without TS: </a:t>
+            </a:r>
+            <a:r>
+              <a:rPr lang="en-US" sz="2000" dirty="0">
+                <a:solidFill>
+                  <a:schemeClr val="accent6">
+                    <a:lumMod val="75000"/>
+                  </a:schemeClr>
+                </a:solidFill>
+              </a:rPr>
+              <a:t>run time error</a:t>
+            </a:r>
+            <a:r>
+              <a:rPr lang="en-US" sz="2000" dirty="0"/>
+              <a:t>?!</a:t>
+            </a:r>
+          </a:p>
+          <a:p>
+            <a:r>
+              <a:rPr lang="en-US" sz="2000" dirty="0"/>
+              <a:t>TS error: (</a:t>
+            </a:r>
+            <a:r>
+              <a:rPr lang="en-US" sz="2000" dirty="0">
+                <a:solidFill>
+                  <a:schemeClr val="accent6">
+                    <a:lumMod val="75000"/>
+                  </a:schemeClr>
+                </a:solidFill>
+              </a:rPr>
+              <a:t>compile error</a:t>
+            </a:r>
+            <a:r>
+              <a:rPr lang="en-US" sz="2000" dirty="0"/>
+              <a:t>): Property '</a:t>
+            </a:r>
+            <a:r>
+              <a:rPr lang="en-US" sz="2000" dirty="0" err="1"/>
+              <a:t>heigth</a:t>
+            </a:r>
+            <a:r>
+              <a:rPr lang="en-US" sz="2000" dirty="0"/>
+              <a:t>' does not exist on type '{ width: number; height: number; }'. Did you mean 'height'?</a:t>
+            </a:r>
+            <a:endParaRPr lang="en-US" sz="2000" dirty="0">
+              <a:solidFill>
+                <a:schemeClr val="accent3">
+                  <a:lumMod val="75000"/>
+                </a:schemeClr>
+              </a:solidFill>
+            </a:endParaRPr>
+          </a:p>
+          <a:p>
+            <a:endParaRPr lang="en-US" dirty="0"/>
+          </a:p>
+        </p:txBody>
+      </p:sp>
+    </p:spTree>
+    <p:extLst>
+      <p:ext uri="{BB962C8B-B14F-4D97-AF65-F5344CB8AC3E}">
+        <p14:creationId xmlns:p14="http://schemas.microsoft.com/office/powerpoint/2010/main" val="1847312257"/>
+      </p:ext>
+    </p:extLst>
+  </p:cSld>
+  <p:clrMapOvr>
+    <a:masterClrMapping/>
+  </p:clrMapOvr>
+</p:sld>
+</file>
+
+<file path=ppt/slides/slide6.xml><?xml version="1.0" encoding="utf-8"?>
+<p:sld xmlns:a="http://schemas.openxmlformats.org/drawingml/2006/main" xmlns:r="http://schemas.openxmlformats.org/officeDocument/2006/relationships" xmlns:p="http://schemas.openxmlformats.org/presentationml/2006/main">
+  <p:cSld>
+    <p:spTree>
+      <p:nvGrpSpPr>
+        <p:cNvPr id="1" name=""/>
+        <p:cNvGrpSpPr/>
+        <p:nvPr/>
+      </p:nvGrpSpPr>
+      <p:grpSpPr>
+        <a:xfrm>
+          <a:off x="0" y="0"/>
+          <a:ext cx="0" cy="0"/>
+          <a:chOff x="0" y="0"/>
+          <a:chExt cx="0" cy="0"/>
+        </a:xfrm>
+      </p:grpSpPr>
+      <p:sp>
+        <p:nvSpPr>
+          <p:cNvPr id="2" name="Title 1">
+            <a:extLst>
+              <a:ext uri="{FF2B5EF4-FFF2-40B4-BE49-F238E27FC236}">
+                <a16:creationId xmlns:a16="http://schemas.microsoft.com/office/drawing/2014/main" id="{18209331-6671-431A-9886-5BADC828F66F}"/>
+              </a:ext>
+            </a:extLst>
+          </p:cNvPr>
+          <p:cNvSpPr>
+            <a:spLocks noGrp="1"/>
+          </p:cNvSpPr>
+          <p:nvPr>
+            <p:ph type="title"/>
+          </p:nvPr>
+        </p:nvSpPr>
+        <p:spPr>
+          <a:xfrm>
+            <a:off x="1259632" y="0"/>
+            <a:ext cx="7884368" cy="884466"/>
+          </a:xfrm>
+        </p:spPr>
+        <p:txBody>
+          <a:bodyPr/>
+          <a:lstStyle/>
+          <a:p>
+            <a:r>
+              <a:rPr lang="en-US" altLang="ko-KR" dirty="0">
+                <a:solidFill>
+                  <a:schemeClr val="tx1">
+                    <a:lumMod val="75000"/>
+                    <a:lumOff val="25000"/>
+                  </a:schemeClr>
+                </a:solidFill>
+              </a:rPr>
+              <a:t>Why TS</a:t>
+            </a:r>
+            <a:endParaRPr lang="en-US" dirty="0"/>
+          </a:p>
+        </p:txBody>
+      </p:sp>
+      <p:sp>
+        <p:nvSpPr>
+          <p:cNvPr id="3" name="Content Placeholder 2">
+            <a:extLst>
+              <a:ext uri="{FF2B5EF4-FFF2-40B4-BE49-F238E27FC236}">
+                <a16:creationId xmlns:a16="http://schemas.microsoft.com/office/drawing/2014/main" id="{C112BD99-EE2A-4D58-8B4F-1BC2FF4407EE}"/>
+              </a:ext>
+            </a:extLst>
+          </p:cNvPr>
+          <p:cNvSpPr>
+            <a:spLocks noGrp="1"/>
+          </p:cNvSpPr>
+          <p:nvPr>
+            <p:ph idx="1"/>
+          </p:nvPr>
+        </p:nvSpPr>
+        <p:spPr>
+          <a:xfrm>
+            <a:off x="1259632" y="1200151"/>
+            <a:ext cx="7427168" cy="3394472"/>
+          </a:xfrm>
+        </p:spPr>
+        <p:txBody>
+          <a:bodyPr/>
+          <a:lstStyle/>
+          <a:p>
+            <a:r>
+              <a:rPr lang="en-US" sz="2400" b="0" i="0" dirty="0">
+                <a:solidFill>
+                  <a:srgbClr val="292929"/>
+                </a:solidFill>
+                <a:effectLst/>
+                <a:latin typeface="sohne"/>
+              </a:rPr>
+              <a:t>Easy to read and understand components</a:t>
+            </a:r>
+          </a:p>
+          <a:p>
+            <a:r>
+              <a:rPr lang="en-US" sz="2400" b="0" i="0" dirty="0">
+                <a:solidFill>
+                  <a:srgbClr val="222635"/>
+                </a:solidFill>
+                <a:effectLst/>
+                <a:latin typeface="Cambria" panose="02040503050406030204" pitchFamily="18" charset="0"/>
+              </a:rPr>
+              <a:t>type system, including generics</a:t>
+            </a:r>
+          </a:p>
+          <a:p>
+            <a:r>
+              <a:rPr lang="en-US" sz="2400" b="0" i="0" dirty="0">
+                <a:solidFill>
+                  <a:srgbClr val="222635"/>
+                </a:solidFill>
+                <a:effectLst/>
+                <a:latin typeface="Cambria" panose="02040503050406030204" pitchFamily="18" charset="0"/>
+              </a:rPr>
+              <a:t>Starts and ends with JavaScript</a:t>
+            </a:r>
+          </a:p>
+          <a:p>
+            <a:r>
+              <a:rPr lang="en-US" sz="2400" b="0" i="0" dirty="0">
+                <a:solidFill>
+                  <a:srgbClr val="222635"/>
+                </a:solidFill>
+                <a:effectLst/>
+                <a:latin typeface="Cambria" panose="02040503050406030204" pitchFamily="18" charset="0"/>
+              </a:rPr>
+              <a:t>TypeScript is a superset of ES3, ES5, and ES6</a:t>
+            </a:r>
+            <a:endParaRPr lang="en-US" sz="4000" dirty="0"/>
+          </a:p>
+        </p:txBody>
+      </p:sp>
+    </p:spTree>
+    <p:extLst>
+      <p:ext uri="{BB962C8B-B14F-4D97-AF65-F5344CB8AC3E}">
+        <p14:creationId xmlns:p14="http://schemas.microsoft.com/office/powerpoint/2010/main" val="2671733894"/>
+      </p:ext>
+    </p:extLst>
+  </p:cSld>
+  <p:clrMapOvr>
+    <a:masterClrMapping/>
+  </p:clrMapOvr>
+</p:sld>
+</file>
+
+<file path=ppt/slides/slide7.xml><?xml version="1.0" encoding="utf-8"?>
+<p:sld xmlns:a="http://schemas.openxmlformats.org/drawingml/2006/main" xmlns:r="http://schemas.openxmlformats.org/officeDocument/2006/relationships" xmlns:p="http://schemas.openxmlformats.org/presentationml/2006/main">
+  <p:cSld>
+    <p:spTree>
+      <p:nvGrpSpPr>
+        <p:cNvPr id="1" name=""/>
+        <p:cNvGrpSpPr/>
+        <p:nvPr/>
+      </p:nvGrpSpPr>
+      <p:grpSpPr>
+        <a:xfrm>
+          <a:off x="0" y="0"/>
+          <a:ext cx="0" cy="0"/>
+          <a:chOff x="0" y="0"/>
+          <a:chExt cx="0" cy="0"/>
+        </a:xfrm>
+      </p:grpSpPr>
+      <p:sp>
+        <p:nvSpPr>
+          <p:cNvPr id="2" name="Title 1"/>
+          <p:cNvSpPr>
+            <a:spLocks noGrp="1"/>
+          </p:cNvSpPr>
+          <p:nvPr>
+            <p:ph type="title"/>
+          </p:nvPr>
+        </p:nvSpPr>
+        <p:spPr>
+          <a:xfrm>
+            <a:off x="1043608" y="0"/>
+            <a:ext cx="8100392" cy="884466"/>
+          </a:xfrm>
+        </p:spPr>
+        <p:txBody>
+          <a:bodyPr/>
+          <a:lstStyle/>
+          <a:p>
+            <a:r>
+              <a:rPr lang="en-US" dirty="0"/>
+              <a:t>Features</a:t>
+            </a:r>
+          </a:p>
+        </p:txBody>
+      </p:sp>
+      <p:sp>
+        <p:nvSpPr>
+          <p:cNvPr id="3" name="Content Placeholder 2"/>
+          <p:cNvSpPr>
+            <a:spLocks noGrp="1"/>
+          </p:cNvSpPr>
+          <p:nvPr>
+            <p:ph idx="1"/>
+          </p:nvPr>
+        </p:nvSpPr>
+        <p:spPr>
+          <a:xfrm>
+            <a:off x="899592" y="1200151"/>
+            <a:ext cx="7787208" cy="3394472"/>
+          </a:xfrm>
+        </p:spPr>
+        <p:txBody>
+          <a:bodyPr/>
+          <a:lstStyle/>
+          <a:p>
+            <a:r>
+              <a:rPr lang="en-US" dirty="0"/>
+              <a:t>Types</a:t>
+            </a:r>
+          </a:p>
+          <a:p>
+            <a:r>
+              <a:rPr lang="en-US" sz="1800" dirty="0"/>
+              <a:t>The primitives: </a:t>
+            </a:r>
+            <a:r>
+              <a:rPr lang="en-US" sz="1800" dirty="0" err="1"/>
+              <a:t>string,number</a:t>
+            </a:r>
+            <a:r>
+              <a:rPr lang="en-US" sz="1800" dirty="0"/>
+              <a:t>, and </a:t>
+            </a:r>
+            <a:r>
+              <a:rPr lang="en-US" sz="1800" dirty="0" err="1"/>
+              <a:t>boolean</a:t>
+            </a:r>
+            <a:endParaRPr lang="en-US" sz="1800" dirty="0"/>
+          </a:p>
+          <a:p>
+            <a:r>
+              <a:rPr lang="en-US" sz="1600" dirty="0"/>
+              <a:t>JavaScript has three very commonly used primitives: string, number, and </a:t>
+            </a:r>
+            <a:r>
+              <a:rPr lang="en-US" sz="1600" dirty="0" err="1"/>
+              <a:t>boolean</a:t>
+            </a:r>
+            <a:r>
+              <a:rPr lang="en-US" sz="1600" dirty="0"/>
+              <a:t>.</a:t>
+            </a:r>
+          </a:p>
+          <a:p>
+            <a:r>
+              <a:rPr lang="en-US" sz="1600" dirty="0"/>
+              <a:t>Each has a corresponding type in TypeScript.</a:t>
+            </a:r>
+          </a:p>
+          <a:p>
+            <a:r>
+              <a:rPr lang="en-US" sz="1600" dirty="0"/>
+              <a:t>As you might expect, these are the same names you’d see if you used the Java Script </a:t>
+            </a:r>
+            <a:r>
+              <a:rPr lang="en-US" sz="1600" dirty="0" err="1"/>
+              <a:t>typeof</a:t>
+            </a:r>
+            <a:r>
+              <a:rPr lang="en-US" sz="1600" dirty="0"/>
+              <a:t> operator on a value of those types: </a:t>
+            </a:r>
+          </a:p>
+          <a:p>
+            <a:r>
+              <a:rPr lang="en-US" sz="1600" dirty="0"/>
+              <a:t>string represents string values like "Hello, world“</a:t>
+            </a:r>
+          </a:p>
+          <a:p>
+            <a:r>
+              <a:rPr lang="en-US" sz="1600" dirty="0"/>
+              <a:t>number is for numbers like 42. JavaScript does not have a special runtime value for integers, so there’s no equivalent to int or float - everything is simply number</a:t>
+            </a:r>
+          </a:p>
+          <a:p>
+            <a:r>
+              <a:rPr lang="en-US" sz="1600" dirty="0" err="1"/>
+              <a:t>boolean</a:t>
+            </a:r>
+            <a:r>
+              <a:rPr lang="en-US" sz="1600" dirty="0"/>
+              <a:t> is for the two values true and false</a:t>
+            </a:r>
           </a:p>
         </p:txBody>
       </p:sp>
@@ -3792,6 +6627,267 @@
     <p:extLst>
       <p:ext uri="{BB962C8B-B14F-4D97-AF65-F5344CB8AC3E}">
         <p14:creationId xmlns:p14="http://schemas.microsoft.com/office/powerpoint/2010/main" val="3565040376"/>
+      </p:ext>
+    </p:extLst>
+  </p:cSld>
+  <p:clrMapOvr>
+    <a:masterClrMapping/>
+  </p:clrMapOvr>
+</p:sld>
+</file>
+
+<file path=ppt/slides/slide8.xml><?xml version="1.0" encoding="utf-8"?>
+<p:sld xmlns:a="http://schemas.openxmlformats.org/drawingml/2006/main" xmlns:r="http://schemas.openxmlformats.org/officeDocument/2006/relationships" xmlns:p="http://schemas.openxmlformats.org/presentationml/2006/main">
+  <p:cSld>
+    <p:spTree>
+      <p:nvGrpSpPr>
+        <p:cNvPr id="1" name=""/>
+        <p:cNvGrpSpPr/>
+        <p:nvPr/>
+      </p:nvGrpSpPr>
+      <p:grpSpPr>
+        <a:xfrm>
+          <a:off x="0" y="0"/>
+          <a:ext cx="0" cy="0"/>
+          <a:chOff x="0" y="0"/>
+          <a:chExt cx="0" cy="0"/>
+        </a:xfrm>
+      </p:grpSpPr>
+      <p:sp>
+        <p:nvSpPr>
+          <p:cNvPr id="2" name="Title 1">
+            <a:extLst>
+              <a:ext uri="{FF2B5EF4-FFF2-40B4-BE49-F238E27FC236}">
+                <a16:creationId xmlns:a16="http://schemas.microsoft.com/office/drawing/2014/main" id="{7500D5AE-CB69-49F3-99F4-AF644450AE7C}"/>
+              </a:ext>
+            </a:extLst>
+          </p:cNvPr>
+          <p:cNvSpPr>
+            <a:spLocks noGrp="1"/>
+          </p:cNvSpPr>
+          <p:nvPr>
+            <p:ph type="title"/>
+          </p:nvPr>
+        </p:nvSpPr>
+        <p:spPr>
+          <a:xfrm>
+            <a:off x="1115616" y="0"/>
+            <a:ext cx="8028384" cy="884466"/>
+          </a:xfrm>
+        </p:spPr>
+        <p:txBody>
+          <a:bodyPr/>
+          <a:lstStyle/>
+          <a:p>
+            <a:r>
+              <a:rPr lang="en-US" dirty="0"/>
+              <a:t>Features</a:t>
+            </a:r>
+            <a:endParaRPr lang="en-US" b="0" dirty="0"/>
+          </a:p>
+        </p:txBody>
+      </p:sp>
+      <p:sp>
+        <p:nvSpPr>
+          <p:cNvPr id="3" name="Content Placeholder 2">
+            <a:extLst>
+              <a:ext uri="{FF2B5EF4-FFF2-40B4-BE49-F238E27FC236}">
+                <a16:creationId xmlns:a16="http://schemas.microsoft.com/office/drawing/2014/main" id="{F2AA6CB7-F960-4E37-99C8-818BEB120FAB}"/>
+              </a:ext>
+            </a:extLst>
+          </p:cNvPr>
+          <p:cNvSpPr>
+            <a:spLocks noGrp="1"/>
+          </p:cNvSpPr>
+          <p:nvPr>
+            <p:ph idx="1"/>
+          </p:nvPr>
+        </p:nvSpPr>
+        <p:spPr>
+          <a:xfrm>
+            <a:off x="755576" y="1200151"/>
+            <a:ext cx="7931224" cy="3394472"/>
+          </a:xfrm>
+        </p:spPr>
+        <p:txBody>
+          <a:bodyPr/>
+          <a:lstStyle/>
+          <a:p>
+            <a:r>
+              <a:rPr lang="en-US" sz="2400" dirty="0"/>
+              <a:t>Array:</a:t>
+            </a:r>
+            <a:br>
+              <a:rPr lang="en-US" dirty="0"/>
+            </a:br>
+            <a:r>
+              <a:rPr lang="en-US" sz="1800" dirty="0"/>
+              <a:t>To specify the type of an array like [1, 2, 3], you can use the syntax number[]; this syntax works for any type (e.g. string[] is an array of strings, and so on). You may also see this written as Array&lt;number&gt;, which means the same thing</a:t>
+            </a:r>
+            <a:br>
+              <a:rPr lang="en-US" sz="1800" dirty="0"/>
+            </a:br>
+            <a:r>
+              <a:rPr lang="en-US" sz="2400" dirty="0"/>
+              <a:t>Any:</a:t>
+            </a:r>
+            <a:br>
+              <a:rPr lang="en-US" sz="1800" dirty="0"/>
+            </a:br>
+            <a:r>
+              <a:rPr lang="en-US" sz="1600" dirty="0"/>
+              <a:t>TypeScript also has a special type, any, that you can use whenever you don’t want a particular value to cause </a:t>
+            </a:r>
+            <a:r>
+              <a:rPr lang="en-US" sz="1600" dirty="0" err="1"/>
+              <a:t>typechecking</a:t>
+            </a:r>
+            <a:r>
+              <a:rPr lang="en-US" sz="1600" dirty="0"/>
+              <a:t> errors.</a:t>
+            </a:r>
+          </a:p>
+          <a:p>
+            <a:r>
+              <a:rPr lang="en-US" sz="1600" dirty="0"/>
+              <a:t>When a value is of type any, you can access any properties of it (which will in turn be of type any), call it like a function, assign it to (or from) a value of any type, or pretty much anything else that’s syntactically legal:</a:t>
+            </a:r>
+            <a:endParaRPr lang="en-US" sz="3600" dirty="0"/>
+          </a:p>
+        </p:txBody>
+      </p:sp>
+    </p:spTree>
+    <p:extLst>
+      <p:ext uri="{BB962C8B-B14F-4D97-AF65-F5344CB8AC3E}">
+        <p14:creationId xmlns:p14="http://schemas.microsoft.com/office/powerpoint/2010/main" val="2995887797"/>
+      </p:ext>
+    </p:extLst>
+  </p:cSld>
+  <p:clrMapOvr>
+    <a:masterClrMapping/>
+  </p:clrMapOvr>
+</p:sld>
+</file>
+
+<file path=ppt/slides/slide9.xml><?xml version="1.0" encoding="utf-8"?>
+<p:sld xmlns:a="http://schemas.openxmlformats.org/drawingml/2006/main" xmlns:r="http://schemas.openxmlformats.org/officeDocument/2006/relationships" xmlns:p="http://schemas.openxmlformats.org/presentationml/2006/main">
+  <p:cSld>
+    <p:spTree>
+      <p:nvGrpSpPr>
+        <p:cNvPr id="1" name=""/>
+        <p:cNvGrpSpPr/>
+        <p:nvPr/>
+      </p:nvGrpSpPr>
+      <p:grpSpPr>
+        <a:xfrm>
+          <a:off x="0" y="0"/>
+          <a:ext cx="0" cy="0"/>
+          <a:chOff x="0" y="0"/>
+          <a:chExt cx="0" cy="0"/>
+        </a:xfrm>
+      </p:grpSpPr>
+      <p:sp>
+        <p:nvSpPr>
+          <p:cNvPr id="2" name="Title 1">
+            <a:extLst>
+              <a:ext uri="{FF2B5EF4-FFF2-40B4-BE49-F238E27FC236}">
+                <a16:creationId xmlns:a16="http://schemas.microsoft.com/office/drawing/2014/main" id="{C4AA2698-FCB5-43EE-8294-4B08F7A40F16}"/>
+              </a:ext>
+            </a:extLst>
+          </p:cNvPr>
+          <p:cNvSpPr>
+            <a:spLocks noGrp="1"/>
+          </p:cNvSpPr>
+          <p:nvPr>
+            <p:ph type="title"/>
+          </p:nvPr>
+        </p:nvSpPr>
+        <p:spPr/>
+        <p:txBody>
+          <a:bodyPr/>
+          <a:lstStyle/>
+          <a:p>
+            <a:r>
+              <a:rPr lang="en-US" dirty="0"/>
+              <a:t>Features</a:t>
+            </a:r>
+          </a:p>
+        </p:txBody>
+      </p:sp>
+      <p:sp>
+        <p:nvSpPr>
+          <p:cNvPr id="3" name="Content Placeholder 2">
+            <a:extLst>
+              <a:ext uri="{FF2B5EF4-FFF2-40B4-BE49-F238E27FC236}">
+                <a16:creationId xmlns:a16="http://schemas.microsoft.com/office/drawing/2014/main" id="{B4517327-4017-429D-94D5-54128B25AD02}"/>
+              </a:ext>
+            </a:extLst>
+          </p:cNvPr>
+          <p:cNvSpPr>
+            <a:spLocks noGrp="1"/>
+          </p:cNvSpPr>
+          <p:nvPr>
+            <p:ph idx="1"/>
+          </p:nvPr>
+        </p:nvSpPr>
+        <p:spPr/>
+        <p:txBody>
+          <a:bodyPr/>
+          <a:lstStyle/>
+          <a:p>
+            <a:r>
+              <a:rPr lang="en-US" dirty="0"/>
+              <a:t>Type Annotations on Variables:</a:t>
+            </a:r>
+          </a:p>
+          <a:p>
+            <a:r>
+              <a:rPr lang="en-US" sz="1800" dirty="0"/>
+              <a:t>When you declare a variable using const, var, or let, you can optionally add a type annotation to explicitly specify the type of the variable:</a:t>
+            </a:r>
+          </a:p>
+          <a:p>
+            <a:br>
+              <a:rPr lang="en-US" dirty="0"/>
+            </a:br>
+            <a:endParaRPr lang="en-US" dirty="0"/>
+          </a:p>
+        </p:txBody>
+      </p:sp>
+      <p:pic>
+        <p:nvPicPr>
+          <p:cNvPr id="7" name="Picture 6">
+            <a:extLst>
+              <a:ext uri="{FF2B5EF4-FFF2-40B4-BE49-F238E27FC236}">
+                <a16:creationId xmlns:a16="http://schemas.microsoft.com/office/drawing/2014/main" id="{5F2A25F1-0063-4EB0-910F-8C9BC4165C55}"/>
+              </a:ext>
+            </a:extLst>
+          </p:cNvPr>
+          <p:cNvPicPr>
+            <a:picLocks noChangeAspect="1"/>
+          </p:cNvPicPr>
+          <p:nvPr/>
+        </p:nvPicPr>
+        <p:blipFill>
+          <a:blip r:embed="rId2"/>
+          <a:stretch>
+            <a:fillRect/>
+          </a:stretch>
+        </p:blipFill>
+        <p:spPr>
+          <a:xfrm>
+            <a:off x="539552" y="2427734"/>
+            <a:ext cx="8064896" cy="2482574"/>
+          </a:xfrm>
+          <a:prstGeom prst="rect">
+            <a:avLst/>
+          </a:prstGeom>
+        </p:spPr>
+      </p:pic>
+    </p:spTree>
+    <p:extLst>
+      <p:ext uri="{BB962C8B-B14F-4D97-AF65-F5344CB8AC3E}">
+        <p14:creationId xmlns:p14="http://schemas.microsoft.com/office/powerpoint/2010/main" val="1476713659"/>
       </p:ext>
     </p:extLst>
   </p:cSld>
@@ -4090,4 +7186,299 @@
   <a:objectDefaults/>
   <a:extraClrSchemeLst/>
 </a:theme>
+</file>
+
+<file path=ppt/theme/theme2.xml><?xml version="1.0" encoding="utf-8"?>
+<a:theme xmlns:a="http://schemas.openxmlformats.org/drawingml/2006/main" name="Office Theme">
+  <a:themeElements>
+    <a:clrScheme name="Office">
+      <a:dk1>
+        <a:sysClr val="windowText" lastClr="000000"/>
+      </a:dk1>
+      <a:lt1>
+        <a:sysClr val="window" lastClr="FFFFFF"/>
+      </a:lt1>
+      <a:dk2>
+        <a:srgbClr val="44546A"/>
+      </a:dk2>
+      <a:lt2>
+        <a:srgbClr val="E7E6E6"/>
+      </a:lt2>
+      <a:accent1>
+        <a:srgbClr val="4472C4"/>
+      </a:accent1>
+      <a:accent2>
+        <a:srgbClr val="ED7D31"/>
+      </a:accent2>
+      <a:accent3>
+        <a:srgbClr val="A5A5A5"/>
+      </a:accent3>
+      <a:accent4>
+        <a:srgbClr val="FFC000"/>
+      </a:accent4>
+      <a:accent5>
+        <a:srgbClr val="5B9BD5"/>
+      </a:accent5>
+      <a:accent6>
+        <a:srgbClr val="70AD47"/>
+      </a:accent6>
+      <a:hlink>
+        <a:srgbClr val="0563C1"/>
+      </a:hlink>
+      <a:folHlink>
+        <a:srgbClr val="954F72"/>
+      </a:folHlink>
+    </a:clrScheme>
+    <a:fontScheme name="Office">
+      <a:majorFont>
+        <a:latin typeface="Calibri Light" panose="020F0302020204030204"/>
+        <a:ea typeface=""/>
+        <a:cs typeface=""/>
+        <a:font script="Jpan" typeface="游ゴシック Light"/>
+        <a:font script="Hang" typeface="맑은 고딕"/>
+        <a:font script="Hans" typeface="等线 Light"/>
+        <a:font script="Hant" typeface="新細明體"/>
+        <a:font script="Arab" typeface="Times New Roman"/>
+        <a:font script="Hebr" typeface="Times New Roman"/>
+        <a:font script="Thai" typeface="Angsana New"/>
+        <a:font script="Ethi" typeface="Nyala"/>
+        <a:font script="Beng" typeface="Vrinda"/>
+        <a:font script="Gujr" typeface="Shruti"/>
+        <a:font script="Khmr" typeface="MoolBoran"/>
+        <a:font script="Knda" typeface="Tunga"/>
+        <a:font script="Guru" typeface="Raavi"/>
+        <a:font script="Cans" typeface="Euphemia"/>
+        <a:font script="Cher" typeface="Plantagenet Cherokee"/>
+        <a:font script="Yiii" typeface="Microsoft Yi Baiti"/>
+        <a:font script="Tibt" typeface="Microsoft Himalaya"/>
+        <a:font script="Thaa" typeface="MV Boli"/>
+        <a:font script="Deva" typeface="Mangal"/>
+        <a:font script="Telu" typeface="Gautami"/>
+        <a:font script="Taml" typeface="Latha"/>
+        <a:font script="Syrc" typeface="Estrangelo Edessa"/>
+        <a:font script="Orya" typeface="Kalinga"/>
+        <a:font script="Mlym" typeface="Kartika"/>
+        <a:font script="Laoo" typeface="DokChampa"/>
+        <a:font script="Sinh" typeface="Iskoola Pota"/>
+        <a:font script="Mong" typeface="Mongolian Baiti"/>
+        <a:font script="Viet" typeface="Times New Roman"/>
+        <a:font script="Uigh" typeface="Microsoft Uighur"/>
+        <a:font script="Geor" typeface="Sylfaen"/>
+        <a:font script="Armn" typeface="Arial"/>
+        <a:font script="Bugi" typeface="Leelawadee UI"/>
+        <a:font script="Bopo" typeface="Microsoft JhengHei"/>
+        <a:font script="Java" typeface="Javanese Text"/>
+        <a:font script="Lisu" typeface="Segoe UI"/>
+        <a:font script="Mymr" typeface="Myanmar Text"/>
+        <a:font script="Nkoo" typeface="Ebrima"/>
+        <a:font script="Olck" typeface="Nirmala UI"/>
+        <a:font script="Osma" typeface="Ebrima"/>
+        <a:font script="Phag" typeface="Phagspa"/>
+        <a:font script="Syrn" typeface="Estrangelo Edessa"/>
+        <a:font script="Syrj" typeface="Estrangelo Edessa"/>
+        <a:font script="Syre" typeface="Estrangelo Edessa"/>
+        <a:font script="Sora" typeface="Nirmala UI"/>
+        <a:font script="Tale" typeface="Microsoft Tai Le"/>
+        <a:font script="Talu" typeface="Microsoft New Tai Lue"/>
+        <a:font script="Tfng" typeface="Ebrima"/>
+      </a:majorFont>
+      <a:minorFont>
+        <a:latin typeface="Calibri" panose="020F0502020204030204"/>
+        <a:ea typeface=""/>
+        <a:cs typeface=""/>
+        <a:font script="Jpan" typeface="游ゴシック"/>
+        <a:font script="Hang" typeface="맑은 고딕"/>
+        <a:font script="Hans" typeface="等线"/>
+        <a:font script="Hant" typeface="新細明體"/>
+        <a:font script="Arab" typeface="Arial"/>
+        <a:font script="Hebr" typeface="Arial"/>
+        <a:font script="Thai" typeface="Cordia New"/>
+        <a:font script="Ethi" typeface="Nyala"/>
+        <a:font script="Beng" typeface="Vrinda"/>
+        <a:font script="Gujr" typeface="Shruti"/>
+        <a:font script="Khmr" typeface="DaunPenh"/>
+        <a:font script="Knda" typeface="Tunga"/>
+        <a:font script="Guru" typeface="Raavi"/>
+        <a:font script="Cans" typeface="Euphemia"/>
+        <a:font script="Cher" typeface="Plantagenet Cherokee"/>
+        <a:font script="Yiii" typeface="Microsoft Yi Baiti"/>
+        <a:font script="Tibt" typeface="Microsoft Himalaya"/>
+        <a:font script="Thaa" typeface="MV Boli"/>
+        <a:font script="Deva" typeface="Mangal"/>
+        <a:font script="Telu" typeface="Gautami"/>
+        <a:font script="Taml" typeface="Latha"/>
+        <a:font script="Syrc" typeface="Estrangelo Edessa"/>
+        <a:font script="Orya" typeface="Kalinga"/>
+        <a:font script="Mlym" typeface="Kartika"/>
+        <a:font script="Laoo" typeface="DokChampa"/>
+        <a:font script="Sinh" typeface="Iskoola Pota"/>
+        <a:font script="Mong" typeface="Mongolian Baiti"/>
+        <a:font script="Viet" typeface="Arial"/>
+        <a:font script="Uigh" typeface="Microsoft Uighur"/>
+        <a:font script="Geor" typeface="Sylfaen"/>
+        <a:font script="Armn" typeface="Arial"/>
+        <a:font script="Bugi" typeface="Leelawadee UI"/>
+        <a:font script="Bopo" typeface="Microsoft JhengHei"/>
+        <a:font script="Java" typeface="Javanese Text"/>
+        <a:font script="Lisu" typeface="Segoe UI"/>
+        <a:font script="Mymr" typeface="Myanmar Text"/>
+        <a:font script="Nkoo" typeface="Ebrima"/>
+        <a:font script="Olck" typeface="Nirmala UI"/>
+        <a:font script="Osma" typeface="Ebrima"/>
+        <a:font script="Phag" typeface="Phagspa"/>
+        <a:font script="Syrn" typeface="Estrangelo Edessa"/>
+        <a:font script="Syrj" typeface="Estrangelo Edessa"/>
+        <a:font script="Syre" typeface="Estrangelo Edessa"/>
+        <a:font script="Sora" typeface="Nirmala UI"/>
+        <a:font script="Tale" typeface="Microsoft Tai Le"/>
+        <a:font script="Talu" typeface="Microsoft New Tai Lue"/>
+        <a:font script="Tfng" typeface="Ebrima"/>
+      </a:minorFont>
+    </a:fontScheme>
+    <a:fmtScheme name="Office">
+      <a:fillStyleLst>
+        <a:solidFill>
+          <a:schemeClr val="phClr"/>
+        </a:solidFill>
+        <a:gradFill rotWithShape="1">
+          <a:gsLst>
+            <a:gs pos="0">
+              <a:schemeClr val="phClr">
+                <a:lumMod val="110000"/>
+                <a:satMod val="105000"/>
+                <a:tint val="67000"/>
+              </a:schemeClr>
+            </a:gs>
+            <a:gs pos="50000">
+              <a:schemeClr val="phClr">
+                <a:lumMod val="105000"/>
+                <a:satMod val="103000"/>
+                <a:tint val="73000"/>
+              </a:schemeClr>
+            </a:gs>
+            <a:gs pos="100000">
+              <a:schemeClr val="phClr">
+                <a:lumMod val="105000"/>
+                <a:satMod val="109000"/>
+                <a:tint val="81000"/>
+              </a:schemeClr>
+            </a:gs>
+          </a:gsLst>
+          <a:lin ang="5400000" scaled="0"/>
+        </a:gradFill>
+        <a:gradFill rotWithShape="1">
+          <a:gsLst>
+            <a:gs pos="0">
+              <a:schemeClr val="phClr">
+                <a:satMod val="103000"/>
+                <a:lumMod val="102000"/>
+                <a:tint val="94000"/>
+              </a:schemeClr>
+            </a:gs>
+            <a:gs pos="50000">
+              <a:schemeClr val="phClr">
+                <a:satMod val="110000"/>
+                <a:lumMod val="100000"/>
+                <a:shade val="100000"/>
+              </a:schemeClr>
+            </a:gs>
+            <a:gs pos="100000">
+              <a:schemeClr val="phClr">
+                <a:lumMod val="99000"/>
+                <a:satMod val="120000"/>
+                <a:shade val="78000"/>
+              </a:schemeClr>
+            </a:gs>
+          </a:gsLst>
+          <a:lin ang="5400000" scaled="0"/>
+        </a:gradFill>
+      </a:fillStyleLst>
+      <a:lnStyleLst>
+        <a:ln w="6350" cap="flat" cmpd="sng" algn="ctr">
+          <a:solidFill>
+            <a:schemeClr val="phClr"/>
+          </a:solidFill>
+          <a:prstDash val="solid"/>
+          <a:miter lim="800000"/>
+        </a:ln>
+        <a:ln w="12700" cap="flat" cmpd="sng" algn="ctr">
+          <a:solidFill>
+            <a:schemeClr val="phClr"/>
+          </a:solidFill>
+          <a:prstDash val="solid"/>
+          <a:miter lim="800000"/>
+        </a:ln>
+        <a:ln w="19050" cap="flat" cmpd="sng" algn="ctr">
+          <a:solidFill>
+            <a:schemeClr val="phClr"/>
+          </a:solidFill>
+          <a:prstDash val="solid"/>
+          <a:miter lim="800000"/>
+        </a:ln>
+      </a:lnStyleLst>
+      <a:effectStyleLst>
+        <a:effectStyle>
+          <a:effectLst/>
+        </a:effectStyle>
+        <a:effectStyle>
+          <a:effectLst/>
+        </a:effectStyle>
+        <a:effectStyle>
+          <a:effectLst>
+            <a:outerShdw blurRad="57150" dist="19050" dir="5400000" algn="ctr" rotWithShape="0">
+              <a:srgbClr val="000000">
+                <a:alpha val="63000"/>
+              </a:srgbClr>
+            </a:outerShdw>
+          </a:effectLst>
+        </a:effectStyle>
+      </a:effectStyleLst>
+      <a:bgFillStyleLst>
+        <a:solidFill>
+          <a:schemeClr val="phClr"/>
+        </a:solidFill>
+        <a:solidFill>
+          <a:schemeClr val="phClr">
+            <a:tint val="95000"/>
+            <a:satMod val="170000"/>
+          </a:schemeClr>
+        </a:solidFill>
+        <a:gradFill rotWithShape="1">
+          <a:gsLst>
+            <a:gs pos="0">
+              <a:schemeClr val="phClr">
+                <a:tint val="93000"/>
+                <a:satMod val="150000"/>
+                <a:shade val="98000"/>
+                <a:lumMod val="102000"/>
+              </a:schemeClr>
+            </a:gs>
+            <a:gs pos="50000">
+              <a:schemeClr val="phClr">
+                <a:tint val="98000"/>
+                <a:satMod val="130000"/>
+                <a:shade val="90000"/>
+                <a:lumMod val="103000"/>
+              </a:schemeClr>
+            </a:gs>
+            <a:gs pos="100000">
+              <a:schemeClr val="phClr">
+                <a:shade val="63000"/>
+                <a:satMod val="120000"/>
+              </a:schemeClr>
+            </a:gs>
+          </a:gsLst>
+          <a:lin ang="5400000" scaled="0"/>
+        </a:gradFill>
+      </a:bgFillStyleLst>
+    </a:fmtScheme>
+  </a:themeElements>
+  <a:objectDefaults/>
+  <a:extraClrSchemeLst/>
+  <a:extLst>
+    <a:ext uri="{05A4C25C-085E-4340-85A3-A5531E510DB2}">
+      <thm15:themeFamily xmlns:thm15="http://schemas.microsoft.com/office/thememl/2012/main" name="Office Theme" id="{62F939B6-93AF-4DB8-9C6B-D6C7DFDC589F}" vid="{4A3C46E8-61CC-4603-A589-7422A47A8E4A}"/>
+    </a:ext>
+  </a:extLst>
+</a:theme>
 </file>